--- a/Praesentation.pptx
+++ b/Praesentation.pptx
@@ -2,22 +2,26 @@
 <file path=ppt/presentation.xml><?xml version="1.0" encoding="utf-8"?>
 <p:presentation xmlns:a="http://schemas.openxmlformats.org/drawingml/2006/main" xmlns:r="http://schemas.openxmlformats.org/officeDocument/2006/relationships" xmlns:p="http://schemas.openxmlformats.org/presentationml/2006/main" saveSubsetFonts="1">
   <p:sldMasterIdLst>
-    <p:sldMasterId id="2147483648" r:id="rId1"/>
+    <p:sldMasterId id="2147483660" r:id="rId1"/>
   </p:sldMasterIdLst>
   <p:sldIdLst>
     <p:sldId id="256" r:id="rId2"/>
     <p:sldId id="258" r:id="rId3"/>
-    <p:sldId id="259" r:id="rId4"/>
-    <p:sldId id="260" r:id="rId5"/>
-    <p:sldId id="257" r:id="rId6"/>
+    <p:sldId id="262" r:id="rId4"/>
+    <p:sldId id="263" r:id="rId5"/>
+    <p:sldId id="264" r:id="rId6"/>
+    <p:sldId id="259" r:id="rId7"/>
+    <p:sldId id="260" r:id="rId8"/>
+    <p:sldId id="265" r:id="rId9"/>
+    <p:sldId id="257" r:id="rId10"/>
   </p:sldIdLst>
   <p:sldSz cx="12192000" cy="6858000"/>
   <p:notesSz cx="6858000" cy="9144000"/>
   <p:defaultTextStyle>
     <a:defPPr>
-      <a:defRPr lang="de-DE"/>
+      <a:defRPr lang="en-US"/>
     </a:defPPr>
-    <a:lvl1pPr marL="0" algn="l" defTabSz="914400" rtl="0" eaLnBrk="1" latinLnBrk="0" hangingPunct="1">
+    <a:lvl1pPr marL="0" algn="l" defTabSz="457200" rtl="0" eaLnBrk="1" latinLnBrk="0" hangingPunct="1">
       <a:defRPr sz="1800" kern="1200">
         <a:solidFill>
           <a:schemeClr val="tx1"/>
@@ -27,7 +31,7 @@
         <a:cs typeface="+mn-cs"/>
       </a:defRPr>
     </a:lvl1pPr>
-    <a:lvl2pPr marL="457200" algn="l" defTabSz="914400" rtl="0" eaLnBrk="1" latinLnBrk="0" hangingPunct="1">
+    <a:lvl2pPr marL="457200" algn="l" defTabSz="457200" rtl="0" eaLnBrk="1" latinLnBrk="0" hangingPunct="1">
       <a:defRPr sz="1800" kern="1200">
         <a:solidFill>
           <a:schemeClr val="tx1"/>
@@ -37,7 +41,7 @@
         <a:cs typeface="+mn-cs"/>
       </a:defRPr>
     </a:lvl2pPr>
-    <a:lvl3pPr marL="914400" algn="l" defTabSz="914400" rtl="0" eaLnBrk="1" latinLnBrk="0" hangingPunct="1">
+    <a:lvl3pPr marL="914400" algn="l" defTabSz="457200" rtl="0" eaLnBrk="1" latinLnBrk="0" hangingPunct="1">
       <a:defRPr sz="1800" kern="1200">
         <a:solidFill>
           <a:schemeClr val="tx1"/>
@@ -47,7 +51,7 @@
         <a:cs typeface="+mn-cs"/>
       </a:defRPr>
     </a:lvl3pPr>
-    <a:lvl4pPr marL="1371600" algn="l" defTabSz="914400" rtl="0" eaLnBrk="1" latinLnBrk="0" hangingPunct="1">
+    <a:lvl4pPr marL="1371600" algn="l" defTabSz="457200" rtl="0" eaLnBrk="1" latinLnBrk="0" hangingPunct="1">
       <a:defRPr sz="1800" kern="1200">
         <a:solidFill>
           <a:schemeClr val="tx1"/>
@@ -57,7 +61,7 @@
         <a:cs typeface="+mn-cs"/>
       </a:defRPr>
     </a:lvl4pPr>
-    <a:lvl5pPr marL="1828800" algn="l" defTabSz="914400" rtl="0" eaLnBrk="1" latinLnBrk="0" hangingPunct="1">
+    <a:lvl5pPr marL="1828800" algn="l" defTabSz="457200" rtl="0" eaLnBrk="1" latinLnBrk="0" hangingPunct="1">
       <a:defRPr sz="1800" kern="1200">
         <a:solidFill>
           <a:schemeClr val="tx1"/>
@@ -67,7 +71,7 @@
         <a:cs typeface="+mn-cs"/>
       </a:defRPr>
     </a:lvl5pPr>
-    <a:lvl6pPr marL="2286000" algn="l" defTabSz="914400" rtl="0" eaLnBrk="1" latinLnBrk="0" hangingPunct="1">
+    <a:lvl6pPr marL="2286000" algn="l" defTabSz="457200" rtl="0" eaLnBrk="1" latinLnBrk="0" hangingPunct="1">
       <a:defRPr sz="1800" kern="1200">
         <a:solidFill>
           <a:schemeClr val="tx1"/>
@@ -77,7 +81,7 @@
         <a:cs typeface="+mn-cs"/>
       </a:defRPr>
     </a:lvl6pPr>
-    <a:lvl7pPr marL="2743200" algn="l" defTabSz="914400" rtl="0" eaLnBrk="1" latinLnBrk="0" hangingPunct="1">
+    <a:lvl7pPr marL="2743200" algn="l" defTabSz="457200" rtl="0" eaLnBrk="1" latinLnBrk="0" hangingPunct="1">
       <a:defRPr sz="1800" kern="1200">
         <a:solidFill>
           <a:schemeClr val="tx1"/>
@@ -87,7 +91,7 @@
         <a:cs typeface="+mn-cs"/>
       </a:defRPr>
     </a:lvl7pPr>
-    <a:lvl8pPr marL="3200400" algn="l" defTabSz="914400" rtl="0" eaLnBrk="1" latinLnBrk="0" hangingPunct="1">
+    <a:lvl8pPr marL="3200400" algn="l" defTabSz="457200" rtl="0" eaLnBrk="1" latinLnBrk="0" hangingPunct="1">
       <a:defRPr sz="1800" kern="1200">
         <a:solidFill>
           <a:schemeClr val="tx1"/>
@@ -97,7 +101,7 @@
         <a:cs typeface="+mn-cs"/>
       </a:defRPr>
     </a:lvl8pPr>
-    <a:lvl9pPr marL="3657600" algn="l" defTabSz="914400" rtl="0" eaLnBrk="1" latinLnBrk="0" hangingPunct="1">
+    <a:lvl9pPr marL="3657600" algn="l" defTabSz="457200" rtl="0" eaLnBrk="1" latinLnBrk="0" hangingPunct="1">
       <a:defRPr sz="1800" kern="1200">
         <a:solidFill>
           <a:schemeClr val="tx1"/>
@@ -112,8 +116,16 @@
 </file>
 
 <file path=ppt/slideLayouts/slideLayout1.xml><?xml version="1.0" encoding="utf-8"?>
-<p:sldLayout xmlns:a="http://schemas.openxmlformats.org/drawingml/2006/main" xmlns:r="http://schemas.openxmlformats.org/officeDocument/2006/relationships" xmlns:p="http://schemas.openxmlformats.org/presentationml/2006/main" type="title" preserve="1">
+<p:sldLayout xmlns:a="http://schemas.openxmlformats.org/drawingml/2006/main" xmlns:r="http://schemas.openxmlformats.org/officeDocument/2006/relationships" xmlns:p="http://schemas.openxmlformats.org/presentationml/2006/main" showMasterSp="0" type="title" preserve="1">
   <p:cSld name="Titelfolie">
+    <p:bg>
+      <p:bgPr>
+        <a:solidFill>
+          <a:schemeClr val="bg2"/>
+        </a:solidFill>
+        <a:effectLst/>
+      </p:bgPr>
+    </p:bg>
     <p:spTree>
       <p:nvGrpSpPr>
         <p:cNvPr id="1" name=""/>
@@ -130,13 +142,7 @@
       </p:grpSpPr>
       <p:sp>
         <p:nvSpPr>
-          <p:cNvPr id="2" name="Titel 1">
-            <a:extLst>
-              <a:ext uri="{FF2B5EF4-FFF2-40B4-BE49-F238E27FC236}">
-                <a16:creationId xmlns:a16="http://schemas.microsoft.com/office/drawing/2014/main" id="{397EE15C-BA80-71E1-8CFF-B8B554B9DB75}"/>
-              </a:ext>
-            </a:extLst>
-          </p:cNvPr>
+          <p:cNvPr id="2" name="Title 1"/>
           <p:cNvSpPr>
             <a:spLocks noGrp="1"/>
           </p:cNvSpPr>
@@ -146,15 +152,21 @@
         </p:nvSpPr>
         <p:spPr>
           <a:xfrm>
-            <a:off x="1524000" y="1122363"/>
-            <a:ext cx="9144000" cy="2387600"/>
+            <a:off x="1915128" y="1788454"/>
+            <a:ext cx="8361229" cy="2098226"/>
           </a:xfrm>
         </p:spPr>
         <p:txBody>
-          <a:bodyPr anchor="b"/>
+          <a:bodyPr anchor="b">
+            <a:noAutofit/>
+          </a:bodyPr>
           <a:lstStyle>
             <a:lvl1pPr algn="ctr">
-              <a:defRPr sz="6000"/>
+              <a:defRPr sz="7200" cap="all" baseline="0">
+                <a:solidFill>
+                  <a:schemeClr val="tx2"/>
+                </a:solidFill>
+              </a:defRPr>
             </a:lvl1pPr>
           </a:lstStyle>
           <a:p>
@@ -162,18 +174,13 @@
               <a:rPr lang="de-DE"/>
               <a:t>Mastertitelformat bearbeiten</a:t>
             </a:r>
-          </a:p>
-        </p:txBody>
-      </p:sp>
-      <p:sp>
-        <p:nvSpPr>
-          <p:cNvPr id="3" name="Untertitel 2">
-            <a:extLst>
-              <a:ext uri="{FF2B5EF4-FFF2-40B4-BE49-F238E27FC236}">
-                <a16:creationId xmlns:a16="http://schemas.microsoft.com/office/drawing/2014/main" id="{584FC95F-3FA0-9D31-0F86-988DDF0946F7}"/>
-              </a:ext>
-            </a:extLst>
-          </p:cNvPr>
+            <a:endParaRPr lang="en-US" dirty="0"/>
+          </a:p>
+        </p:txBody>
+      </p:sp>
+      <p:sp>
+        <p:nvSpPr>
+          <p:cNvPr id="3" name="Subtitle 2"/>
           <p:cNvSpPr>
             <a:spLocks noGrp="1"/>
           </p:cNvSpPr>
@@ -183,16 +190,27 @@
         </p:nvSpPr>
         <p:spPr>
           <a:xfrm>
-            <a:off x="1524000" y="3602038"/>
-            <a:ext cx="9144000" cy="1655762"/>
+            <a:off x="2679906" y="3956279"/>
+            <a:ext cx="6831673" cy="1086237"/>
           </a:xfrm>
         </p:spPr>
         <p:txBody>
-          <a:bodyPr/>
+          <a:bodyPr>
+            <a:normAutofit/>
+          </a:bodyPr>
           <a:lstStyle>
             <a:lvl1pPr marL="0" indent="0" algn="ctr">
-              <a:buNone/>
-              <a:defRPr sz="2400"/>
+              <a:lnSpc>
+                <a:spcPct val="112000"/>
+              </a:lnSpc>
+              <a:spcBef>
+                <a:spcPts val="0"/>
+              </a:spcBef>
+              <a:spcAft>
+                <a:spcPts val="0"/>
+              </a:spcAft>
+              <a:buNone/>
+              <a:defRPr sz="2300"/>
             </a:lvl1pPr>
             <a:lvl2pPr marL="457200" indent="0" algn="ctr">
               <a:buNone/>
@@ -232,18 +250,13 @@
               <a:rPr lang="de-DE"/>
               <a:t>Master-Untertitelformat bearbeiten</a:t>
             </a:r>
-          </a:p>
-        </p:txBody>
-      </p:sp>
-      <p:sp>
-        <p:nvSpPr>
-          <p:cNvPr id="4" name="Datumsplatzhalter 3">
-            <a:extLst>
-              <a:ext uri="{FF2B5EF4-FFF2-40B4-BE49-F238E27FC236}">
-                <a16:creationId xmlns:a16="http://schemas.microsoft.com/office/drawing/2014/main" id="{F324B855-B623-605C-3621-C787E96FAFB7}"/>
-              </a:ext>
-            </a:extLst>
-          </p:cNvPr>
+            <a:endParaRPr lang="en-US" dirty="0"/>
+          </a:p>
+        </p:txBody>
+      </p:sp>
+      <p:sp>
+        <p:nvSpPr>
+          <p:cNvPr id="4" name="Date Placeholder 3"/>
           <p:cNvSpPr>
             <a:spLocks noGrp="1"/>
           </p:cNvSpPr>
@@ -251,10 +264,23 @@
             <p:ph type="dt" sz="half" idx="10"/>
           </p:nvPr>
         </p:nvSpPr>
-        <p:spPr/>
-        <p:txBody>
-          <a:bodyPr/>
-          <a:lstStyle/>
+        <p:spPr>
+          <a:xfrm>
+            <a:off x="752858" y="6453386"/>
+            <a:ext cx="1607944" cy="404614"/>
+          </a:xfrm>
+        </p:spPr>
+        <p:txBody>
+          <a:bodyPr/>
+          <a:lstStyle>
+            <a:lvl1pPr>
+              <a:defRPr baseline="0">
+                <a:solidFill>
+                  <a:schemeClr val="tx2"/>
+                </a:solidFill>
+              </a:defRPr>
+            </a:lvl1pPr>
+          </a:lstStyle>
           <a:p>
             <a:fld id="{B83EF4BD-29B0-48A0-BCD3-00D511BA08FD}" type="datetimeFigureOut">
               <a:rPr lang="de-DE" smtClean="0"/>
@@ -266,13 +292,7 @@
       </p:sp>
       <p:sp>
         <p:nvSpPr>
-          <p:cNvPr id="5" name="Fußzeilenplatzhalter 4">
-            <a:extLst>
-              <a:ext uri="{FF2B5EF4-FFF2-40B4-BE49-F238E27FC236}">
-                <a16:creationId xmlns:a16="http://schemas.microsoft.com/office/drawing/2014/main" id="{079D94AC-36B0-1CCF-368C-45C561B82683}"/>
-              </a:ext>
-            </a:extLst>
-          </p:cNvPr>
+          <p:cNvPr id="5" name="Footer Placeholder 4"/>
           <p:cNvSpPr>
             <a:spLocks noGrp="1"/>
           </p:cNvSpPr>
@@ -280,10 +300,23 @@
             <p:ph type="ftr" sz="quarter" idx="11"/>
           </p:nvPr>
         </p:nvSpPr>
-        <p:spPr/>
-        <p:txBody>
-          <a:bodyPr/>
-          <a:lstStyle/>
+        <p:spPr>
+          <a:xfrm>
+            <a:off x="2584054" y="6453386"/>
+            <a:ext cx="7023377" cy="404614"/>
+          </a:xfrm>
+        </p:spPr>
+        <p:txBody>
+          <a:bodyPr/>
+          <a:lstStyle>
+            <a:lvl1pPr algn="ctr">
+              <a:defRPr baseline="0">
+                <a:solidFill>
+                  <a:schemeClr val="tx2"/>
+                </a:solidFill>
+              </a:defRPr>
+            </a:lvl1pPr>
+          </a:lstStyle>
           <a:p>
             <a:endParaRPr lang="de-DE"/>
           </a:p>
@@ -291,13 +324,7 @@
       </p:sp>
       <p:sp>
         <p:nvSpPr>
-          <p:cNvPr id="6" name="Foliennummernplatzhalter 5">
-            <a:extLst>
-              <a:ext uri="{FF2B5EF4-FFF2-40B4-BE49-F238E27FC236}">
-                <a16:creationId xmlns:a16="http://schemas.microsoft.com/office/drawing/2014/main" id="{14462D14-AFA8-41FA-7238-166075C1ABA5}"/>
-              </a:ext>
-            </a:extLst>
-          </p:cNvPr>
+          <p:cNvPr id="6" name="Slide Number Placeholder 5"/>
           <p:cNvSpPr>
             <a:spLocks noGrp="1"/>
           </p:cNvSpPr>
@@ -305,10 +332,23 @@
             <p:ph type="sldNum" sz="quarter" idx="12"/>
           </p:nvPr>
         </p:nvSpPr>
-        <p:spPr/>
-        <p:txBody>
-          <a:bodyPr/>
-          <a:lstStyle/>
+        <p:spPr>
+          <a:xfrm>
+            <a:off x="9830683" y="6453386"/>
+            <a:ext cx="1596292" cy="404614"/>
+          </a:xfrm>
+        </p:spPr>
+        <p:txBody>
+          <a:bodyPr/>
+          <a:lstStyle>
+            <a:lvl1pPr>
+              <a:defRPr baseline="0">
+                <a:solidFill>
+                  <a:schemeClr val="tx2"/>
+                </a:solidFill>
+              </a:defRPr>
+            </a:lvl1pPr>
+          </a:lstStyle>
           <a:p>
             <a:fld id="{C98E1B35-FB86-4D9E-B6E3-6F7BC7FC2769}" type="slidenum">
               <a:rPr lang="de-DE" smtClean="0"/>
@@ -318,15 +358,144 @@
           </a:p>
         </p:txBody>
       </p:sp>
+      <p:grpSp>
+        <p:nvGrpSpPr>
+          <p:cNvPr id="7" name="Group 6"/>
+          <p:cNvGrpSpPr/>
+          <p:nvPr/>
+        </p:nvGrpSpPr>
+        <p:grpSpPr>
+          <a:xfrm>
+            <a:off x="752858" y="744469"/>
+            <a:ext cx="10674117" cy="5349671"/>
+            <a:chOff x="752858" y="744469"/>
+            <a:chExt cx="10674117" cy="5349671"/>
+          </a:xfrm>
+        </p:grpSpPr>
+        <p:sp>
+          <p:nvSpPr>
+            <p:cNvPr id="11" name="Freeform 6"/>
+            <p:cNvSpPr/>
+            <p:nvPr/>
+          </p:nvSpPr>
+          <p:spPr bwMode="auto">
+            <a:xfrm>
+              <a:off x="8151962" y="1685652"/>
+              <a:ext cx="3275013" cy="4408488"/>
+            </a:xfrm>
+            <a:custGeom>
+              <a:avLst/>
+              <a:gdLst/>
+              <a:ahLst/>
+              <a:cxnLst/>
+              <a:rect l="l" t="t" r="r" b="b"/>
+              <a:pathLst>
+                <a:path w="10000" h="10000">
+                  <a:moveTo>
+                    <a:pt x="8761" y="0"/>
+                  </a:moveTo>
+                  <a:lnTo>
+                    <a:pt x="10000" y="0"/>
+                  </a:lnTo>
+                  <a:lnTo>
+                    <a:pt x="10000" y="10000"/>
+                  </a:lnTo>
+                  <a:lnTo>
+                    <a:pt x="0" y="10000"/>
+                  </a:lnTo>
+                  <a:lnTo>
+                    <a:pt x="0" y="9126"/>
+                  </a:lnTo>
+                  <a:lnTo>
+                    <a:pt x="8761" y="9127"/>
+                  </a:lnTo>
+                  <a:lnTo>
+                    <a:pt x="8761" y="0"/>
+                  </a:lnTo>
+                  <a:close/>
+                </a:path>
+              </a:pathLst>
+            </a:custGeom>
+            <a:solidFill>
+              <a:schemeClr val="tx2"/>
+            </a:solidFill>
+            <a:ln w="0">
+              <a:noFill/>
+              <a:prstDash val="solid"/>
+              <a:round/>
+              <a:headEnd/>
+              <a:tailEnd/>
+            </a:ln>
+          </p:spPr>
+        </p:sp>
+        <p:sp>
+          <p:nvSpPr>
+            <p:cNvPr id="14" name="Freeform 6"/>
+            <p:cNvSpPr/>
+            <p:nvPr/>
+          </p:nvSpPr>
+          <p:spPr bwMode="auto">
+            <a:xfrm flipH="1" flipV="1">
+              <a:off x="752858" y="744469"/>
+              <a:ext cx="3275668" cy="4408488"/>
+            </a:xfrm>
+            <a:custGeom>
+              <a:avLst/>
+              <a:gdLst/>
+              <a:ahLst/>
+              <a:cxnLst/>
+              <a:rect l="l" t="t" r="r" b="b"/>
+              <a:pathLst>
+                <a:path w="10002" h="10000">
+                  <a:moveTo>
+                    <a:pt x="8763" y="0"/>
+                  </a:moveTo>
+                  <a:lnTo>
+                    <a:pt x="10002" y="0"/>
+                  </a:lnTo>
+                  <a:lnTo>
+                    <a:pt x="10002" y="10000"/>
+                  </a:lnTo>
+                  <a:lnTo>
+                    <a:pt x="2" y="10000"/>
+                  </a:lnTo>
+                  <a:cubicBezTo>
+                    <a:pt x="-2" y="9698"/>
+                    <a:pt x="4" y="9427"/>
+                    <a:pt x="0" y="9125"/>
+                  </a:cubicBezTo>
+                  <a:lnTo>
+                    <a:pt x="8763" y="9128"/>
+                  </a:lnTo>
+                  <a:lnTo>
+                    <a:pt x="8763" y="0"/>
+                  </a:lnTo>
+                  <a:close/>
+                </a:path>
+              </a:pathLst>
+            </a:custGeom>
+            <a:solidFill>
+              <a:schemeClr val="tx2"/>
+            </a:solidFill>
+            <a:ln w="0">
+              <a:noFill/>
+              <a:prstDash val="solid"/>
+              <a:round/>
+              <a:headEnd/>
+              <a:tailEnd/>
+            </a:ln>
+          </p:spPr>
+        </p:sp>
+      </p:grpSp>
     </p:spTree>
     <p:extLst>
       <p:ext uri="{BB962C8B-B14F-4D97-AF65-F5344CB8AC3E}">
-        <p14:creationId xmlns:p14="http://schemas.microsoft.com/office/powerpoint/2010/main" val="1261820241"/>
+        <p14:creationId xmlns:p14="http://schemas.microsoft.com/office/powerpoint/2010/main" val="447436579"/>
       </p:ext>
     </p:extLst>
   </p:cSld>
   <p:clrMapOvr>
-    <a:masterClrMapping/>
+    <a:overrideClrMapping bg1="lt1" tx1="dk1" bg2="lt2" tx2="dk2" accent1="accent1" accent2="accent2" accent3="accent3" accent4="accent4" accent5="accent5" accent6="accent6" hlink="hlink" folHlink="folHlink"/>
   </p:clrMapOvr>
 </p:sldLayout>
 </file>
@@ -350,13 +519,7 @@
       </p:grpSpPr>
       <p:sp>
         <p:nvSpPr>
-          <p:cNvPr id="2" name="Titel 1">
-            <a:extLst>
-              <a:ext uri="{FF2B5EF4-FFF2-40B4-BE49-F238E27FC236}">
-                <a16:creationId xmlns:a16="http://schemas.microsoft.com/office/drawing/2014/main" id="{EADB1175-B22A-2630-FAB8-195B37E55D33}"/>
-              </a:ext>
-            </a:extLst>
-          </p:cNvPr>
+          <p:cNvPr id="2" name="Title 1"/>
           <p:cNvSpPr>
             <a:spLocks noGrp="1"/>
           </p:cNvSpPr>
@@ -373,18 +536,13 @@
               <a:rPr lang="de-DE"/>
               <a:t>Mastertitelformat bearbeiten</a:t>
             </a:r>
-          </a:p>
-        </p:txBody>
-      </p:sp>
-      <p:sp>
-        <p:nvSpPr>
-          <p:cNvPr id="3" name="Vertikaler Textplatzhalter 2">
-            <a:extLst>
-              <a:ext uri="{FF2B5EF4-FFF2-40B4-BE49-F238E27FC236}">
-                <a16:creationId xmlns:a16="http://schemas.microsoft.com/office/drawing/2014/main" id="{5052E6A5-5DCC-8934-5488-30C89FC4153B}"/>
-              </a:ext>
-            </a:extLst>
-          </p:cNvPr>
+            <a:endParaRPr lang="en-US" dirty="0"/>
+          </a:p>
+        </p:txBody>
+      </p:sp>
+      <p:sp>
+        <p:nvSpPr>
+          <p:cNvPr id="3" name="Vertical Text Placeholder 2"/>
           <p:cNvSpPr>
             <a:spLocks noGrp="1"/>
           </p:cNvSpPr>
@@ -392,7 +550,12 @@
             <p:ph type="body" orient="vert" idx="1"/>
           </p:nvPr>
         </p:nvSpPr>
-        <p:spPr/>
+        <p:spPr>
+          <a:xfrm>
+            <a:off x="1371600" y="2295525"/>
+            <a:ext cx="9601200" cy="3571875"/>
+          </a:xfrm>
+        </p:spPr>
         <p:txBody>
           <a:bodyPr vert="eaVert"/>
           <a:lstStyle/>
@@ -430,18 +593,13 @@
               <a:rPr lang="de-DE"/>
               <a:t>Fünfte Ebene</a:t>
             </a:r>
-          </a:p>
-        </p:txBody>
-      </p:sp>
-      <p:sp>
-        <p:nvSpPr>
-          <p:cNvPr id="4" name="Datumsplatzhalter 3">
-            <a:extLst>
-              <a:ext uri="{FF2B5EF4-FFF2-40B4-BE49-F238E27FC236}">
-                <a16:creationId xmlns:a16="http://schemas.microsoft.com/office/drawing/2014/main" id="{AA7FDB13-4AAD-FD0C-ACB4-EC09499C3CBD}"/>
-              </a:ext>
-            </a:extLst>
-          </p:cNvPr>
+            <a:endParaRPr lang="en-US" dirty="0"/>
+          </a:p>
+        </p:txBody>
+      </p:sp>
+      <p:sp>
+        <p:nvSpPr>
+          <p:cNvPr id="4" name="Date Placeholder 3"/>
           <p:cNvSpPr>
             <a:spLocks noGrp="1"/>
           </p:cNvSpPr>
@@ -464,13 +622,7 @@
       </p:sp>
       <p:sp>
         <p:nvSpPr>
-          <p:cNvPr id="5" name="Fußzeilenplatzhalter 4">
-            <a:extLst>
-              <a:ext uri="{FF2B5EF4-FFF2-40B4-BE49-F238E27FC236}">
-                <a16:creationId xmlns:a16="http://schemas.microsoft.com/office/drawing/2014/main" id="{274671BD-E261-E7F8-D105-0EF94AD19A0F}"/>
-              </a:ext>
-            </a:extLst>
-          </p:cNvPr>
+          <p:cNvPr id="5" name="Footer Placeholder 4"/>
           <p:cNvSpPr>
             <a:spLocks noGrp="1"/>
           </p:cNvSpPr>
@@ -489,13 +641,7 @@
       </p:sp>
       <p:sp>
         <p:nvSpPr>
-          <p:cNvPr id="6" name="Foliennummernplatzhalter 5">
-            <a:extLst>
-              <a:ext uri="{FF2B5EF4-FFF2-40B4-BE49-F238E27FC236}">
-                <a16:creationId xmlns:a16="http://schemas.microsoft.com/office/drawing/2014/main" id="{08D96BDD-A172-CA20-2C5C-1C8170F325ED}"/>
-              </a:ext>
-            </a:extLst>
-          </p:cNvPr>
+          <p:cNvPr id="6" name="Slide Number Placeholder 5"/>
           <p:cNvSpPr>
             <a:spLocks noGrp="1"/>
           </p:cNvSpPr>
@@ -519,7 +665,7 @@
     </p:spTree>
     <p:extLst>
       <p:ext uri="{BB962C8B-B14F-4D97-AF65-F5344CB8AC3E}">
-        <p14:creationId xmlns:p14="http://schemas.microsoft.com/office/powerpoint/2010/main" val="3799376668"/>
+        <p14:creationId xmlns:p14="http://schemas.microsoft.com/office/powerpoint/2010/main" val="125329291"/>
       </p:ext>
     </p:extLst>
   </p:cSld>
@@ -548,13 +694,7 @@
       </p:grpSpPr>
       <p:sp>
         <p:nvSpPr>
-          <p:cNvPr id="2" name="Vertikaler Titel 1">
-            <a:extLst>
-              <a:ext uri="{FF2B5EF4-FFF2-40B4-BE49-F238E27FC236}">
-                <a16:creationId xmlns:a16="http://schemas.microsoft.com/office/drawing/2014/main" id="{EC0BFC38-DBFC-6AD7-6045-8B06637BC7E0}"/>
-              </a:ext>
-            </a:extLst>
-          </p:cNvPr>
+          <p:cNvPr id="2" name="Vertical Title 1"/>
           <p:cNvSpPr>
             <a:spLocks noGrp="1"/>
           </p:cNvSpPr>
@@ -564,8 +704,8 @@
         </p:nvSpPr>
         <p:spPr>
           <a:xfrm>
-            <a:off x="8724900" y="365125"/>
-            <a:ext cx="2628900" cy="5811838"/>
+            <a:off x="9596561" y="624156"/>
+            <a:ext cx="1565766" cy="5243244"/>
           </a:xfrm>
         </p:spPr>
         <p:txBody>
@@ -576,18 +716,13 @@
               <a:rPr lang="de-DE"/>
               <a:t>Mastertitelformat bearbeiten</a:t>
             </a:r>
-          </a:p>
-        </p:txBody>
-      </p:sp>
-      <p:sp>
-        <p:nvSpPr>
-          <p:cNvPr id="3" name="Vertikaler Textplatzhalter 2">
-            <a:extLst>
-              <a:ext uri="{FF2B5EF4-FFF2-40B4-BE49-F238E27FC236}">
-                <a16:creationId xmlns:a16="http://schemas.microsoft.com/office/drawing/2014/main" id="{64E37AB1-C2C6-507F-76E9-A57D0943A18B}"/>
-              </a:ext>
-            </a:extLst>
-          </p:cNvPr>
+            <a:endParaRPr lang="en-US" dirty="0"/>
+          </a:p>
+        </p:txBody>
+      </p:sp>
+      <p:sp>
+        <p:nvSpPr>
+          <p:cNvPr id="3" name="Vertical Text Placeholder 2"/>
           <p:cNvSpPr>
             <a:spLocks noGrp="1"/>
           </p:cNvSpPr>
@@ -597,8 +732,8 @@
         </p:nvSpPr>
         <p:spPr>
           <a:xfrm>
-            <a:off x="838200" y="365125"/>
-            <a:ext cx="7734300" cy="5811838"/>
+            <a:off x="1371600" y="624156"/>
+            <a:ext cx="8179641" cy="5243244"/>
           </a:xfrm>
         </p:spPr>
         <p:txBody>
@@ -638,18 +773,13 @@
               <a:rPr lang="de-DE"/>
               <a:t>Fünfte Ebene</a:t>
             </a:r>
-          </a:p>
-        </p:txBody>
-      </p:sp>
-      <p:sp>
-        <p:nvSpPr>
-          <p:cNvPr id="4" name="Datumsplatzhalter 3">
-            <a:extLst>
-              <a:ext uri="{FF2B5EF4-FFF2-40B4-BE49-F238E27FC236}">
-                <a16:creationId xmlns:a16="http://schemas.microsoft.com/office/drawing/2014/main" id="{DBA133B8-B8E0-CC4A-EBED-46CDF5562DDD}"/>
-              </a:ext>
-            </a:extLst>
-          </p:cNvPr>
+            <a:endParaRPr lang="en-US" dirty="0"/>
+          </a:p>
+        </p:txBody>
+      </p:sp>
+      <p:sp>
+        <p:nvSpPr>
+          <p:cNvPr id="4" name="Date Placeholder 3"/>
           <p:cNvSpPr>
             <a:spLocks noGrp="1"/>
           </p:cNvSpPr>
@@ -672,13 +802,7 @@
       </p:sp>
       <p:sp>
         <p:nvSpPr>
-          <p:cNvPr id="5" name="Fußzeilenplatzhalter 4">
-            <a:extLst>
-              <a:ext uri="{FF2B5EF4-FFF2-40B4-BE49-F238E27FC236}">
-                <a16:creationId xmlns:a16="http://schemas.microsoft.com/office/drawing/2014/main" id="{D6DD1379-7DDC-48D9-C327-0C7EA15E0234}"/>
-              </a:ext>
-            </a:extLst>
-          </p:cNvPr>
+          <p:cNvPr id="5" name="Footer Placeholder 4"/>
           <p:cNvSpPr>
             <a:spLocks noGrp="1"/>
           </p:cNvSpPr>
@@ -697,13 +821,7 @@
       </p:sp>
       <p:sp>
         <p:nvSpPr>
-          <p:cNvPr id="6" name="Foliennummernplatzhalter 5">
-            <a:extLst>
-              <a:ext uri="{FF2B5EF4-FFF2-40B4-BE49-F238E27FC236}">
-                <a16:creationId xmlns:a16="http://schemas.microsoft.com/office/drawing/2014/main" id="{7ED58CE2-6C21-64D0-F2D6-2D8ACFC0FE94}"/>
-              </a:ext>
-            </a:extLst>
-          </p:cNvPr>
+          <p:cNvPr id="6" name="Slide Number Placeholder 5"/>
           <p:cNvSpPr>
             <a:spLocks noGrp="1"/>
           </p:cNvSpPr>
@@ -727,7 +845,7 @@
     </p:spTree>
     <p:extLst>
       <p:ext uri="{BB962C8B-B14F-4D97-AF65-F5344CB8AC3E}">
-        <p14:creationId xmlns:p14="http://schemas.microsoft.com/office/powerpoint/2010/main" val="955542558"/>
+        <p14:creationId xmlns:p14="http://schemas.microsoft.com/office/powerpoint/2010/main" val="541170150"/>
       </p:ext>
     </p:extLst>
   </p:cSld>
@@ -756,13 +874,7 @@
       </p:grpSpPr>
       <p:sp>
         <p:nvSpPr>
-          <p:cNvPr id="2" name="Titel 1">
-            <a:extLst>
-              <a:ext uri="{FF2B5EF4-FFF2-40B4-BE49-F238E27FC236}">
-                <a16:creationId xmlns:a16="http://schemas.microsoft.com/office/drawing/2014/main" id="{CACE82EE-BADA-A610-E5A8-936C2270CE02}"/>
-              </a:ext>
-            </a:extLst>
-          </p:cNvPr>
+          <p:cNvPr id="2" name="Title 1"/>
           <p:cNvSpPr>
             <a:spLocks noGrp="1"/>
           </p:cNvSpPr>
@@ -779,18 +891,13 @@
               <a:rPr lang="de-DE"/>
               <a:t>Mastertitelformat bearbeiten</a:t>
             </a:r>
-          </a:p>
-        </p:txBody>
-      </p:sp>
-      <p:sp>
-        <p:nvSpPr>
-          <p:cNvPr id="3" name="Inhaltsplatzhalter 2">
-            <a:extLst>
-              <a:ext uri="{FF2B5EF4-FFF2-40B4-BE49-F238E27FC236}">
-                <a16:creationId xmlns:a16="http://schemas.microsoft.com/office/drawing/2014/main" id="{8BFEC473-0D72-8D8F-7343-4DF7C3347CB8}"/>
-              </a:ext>
-            </a:extLst>
-          </p:cNvPr>
+            <a:endParaRPr lang="en-US" dirty="0"/>
+          </a:p>
+        </p:txBody>
+      </p:sp>
+      <p:sp>
+        <p:nvSpPr>
+          <p:cNvPr id="3" name="Content Placeholder 2"/>
           <p:cNvSpPr>
             <a:spLocks noGrp="1"/>
           </p:cNvSpPr>
@@ -836,18 +943,13 @@
               <a:rPr lang="de-DE"/>
               <a:t>Fünfte Ebene</a:t>
             </a:r>
-          </a:p>
-        </p:txBody>
-      </p:sp>
-      <p:sp>
-        <p:nvSpPr>
-          <p:cNvPr id="4" name="Datumsplatzhalter 3">
-            <a:extLst>
-              <a:ext uri="{FF2B5EF4-FFF2-40B4-BE49-F238E27FC236}">
-                <a16:creationId xmlns:a16="http://schemas.microsoft.com/office/drawing/2014/main" id="{660A4233-80B0-8CE6-EEE4-99B4AD9974FA}"/>
-              </a:ext>
-            </a:extLst>
-          </p:cNvPr>
+            <a:endParaRPr lang="en-US" dirty="0"/>
+          </a:p>
+        </p:txBody>
+      </p:sp>
+      <p:sp>
+        <p:nvSpPr>
+          <p:cNvPr id="4" name="Date Placeholder 3"/>
           <p:cNvSpPr>
             <a:spLocks noGrp="1"/>
           </p:cNvSpPr>
@@ -870,13 +972,7 @@
       </p:sp>
       <p:sp>
         <p:nvSpPr>
-          <p:cNvPr id="5" name="Fußzeilenplatzhalter 4">
-            <a:extLst>
-              <a:ext uri="{FF2B5EF4-FFF2-40B4-BE49-F238E27FC236}">
-                <a16:creationId xmlns:a16="http://schemas.microsoft.com/office/drawing/2014/main" id="{1906B234-6733-D59B-6A3D-93EB6A4FAD27}"/>
-              </a:ext>
-            </a:extLst>
-          </p:cNvPr>
+          <p:cNvPr id="5" name="Footer Placeholder 4"/>
           <p:cNvSpPr>
             <a:spLocks noGrp="1"/>
           </p:cNvSpPr>
@@ -895,13 +991,7 @@
       </p:sp>
       <p:sp>
         <p:nvSpPr>
-          <p:cNvPr id="6" name="Foliennummernplatzhalter 5">
-            <a:extLst>
-              <a:ext uri="{FF2B5EF4-FFF2-40B4-BE49-F238E27FC236}">
-                <a16:creationId xmlns:a16="http://schemas.microsoft.com/office/drawing/2014/main" id="{7DFA6889-88D8-C06F-138C-549FBA641CDF}"/>
-              </a:ext>
-            </a:extLst>
-          </p:cNvPr>
+          <p:cNvPr id="6" name="Slide Number Placeholder 5"/>
           <p:cNvSpPr>
             <a:spLocks noGrp="1"/>
           </p:cNvSpPr>
@@ -925,7 +1015,7 @@
     </p:spTree>
     <p:extLst>
       <p:ext uri="{BB962C8B-B14F-4D97-AF65-F5344CB8AC3E}">
-        <p14:creationId xmlns:p14="http://schemas.microsoft.com/office/powerpoint/2010/main" val="4193016758"/>
+        <p14:creationId xmlns:p14="http://schemas.microsoft.com/office/powerpoint/2010/main" val="3258023373"/>
       </p:ext>
     </p:extLst>
   </p:cSld>
@@ -936,8 +1026,13 @@
 </file>
 
 <file path=ppt/slideLayouts/slideLayout3.xml><?xml version="1.0" encoding="utf-8"?>
-<p:sldLayout xmlns:a="http://schemas.openxmlformats.org/drawingml/2006/main" xmlns:r="http://schemas.openxmlformats.org/officeDocument/2006/relationships" xmlns:p="http://schemas.openxmlformats.org/presentationml/2006/main" type="secHead" preserve="1">
+<p:sldLayout xmlns:a="http://schemas.openxmlformats.org/drawingml/2006/main" xmlns:r="http://schemas.openxmlformats.org/officeDocument/2006/relationships" xmlns:p="http://schemas.openxmlformats.org/presentationml/2006/main" showMasterSp="0" type="secHead" preserve="1">
   <p:cSld name="Abschnitts-&#10;überschrift">
+    <p:bg>
+      <p:bgRef idx="1001">
+        <a:schemeClr val="bg2"/>
+      </p:bgRef>
+    </p:bg>
     <p:spTree>
       <p:nvGrpSpPr>
         <p:cNvPr id="1" name=""/>
@@ -954,13 +1049,7 @@
       </p:grpSpPr>
       <p:sp>
         <p:nvSpPr>
-          <p:cNvPr id="2" name="Titel 1">
-            <a:extLst>
-              <a:ext uri="{FF2B5EF4-FFF2-40B4-BE49-F238E27FC236}">
-                <a16:creationId xmlns:a16="http://schemas.microsoft.com/office/drawing/2014/main" id="{091A8C32-583C-9C4D-4C45-66FEC55DE8FE}"/>
-              </a:ext>
-            </a:extLst>
-          </p:cNvPr>
+          <p:cNvPr id="2" name="Title 1"/>
           <p:cNvSpPr>
             <a:spLocks noGrp="1"/>
           </p:cNvSpPr>
@@ -970,15 +1059,21 @@
         </p:nvSpPr>
         <p:spPr>
           <a:xfrm>
-            <a:off x="831850" y="1709738"/>
-            <a:ext cx="10515600" cy="2852737"/>
+            <a:off x="765025" y="1301360"/>
+            <a:ext cx="9612971" cy="2852737"/>
           </a:xfrm>
         </p:spPr>
         <p:txBody>
-          <a:bodyPr anchor="b"/>
+          <a:bodyPr anchor="b">
+            <a:normAutofit/>
+          </a:bodyPr>
           <a:lstStyle>
-            <a:lvl1pPr>
-              <a:defRPr sz="6000"/>
+            <a:lvl1pPr algn="r">
+              <a:defRPr sz="7200" cap="all" baseline="0">
+                <a:solidFill>
+                  <a:schemeClr val="tx2"/>
+                </a:solidFill>
+              </a:defRPr>
             </a:lvl1pPr>
           </a:lstStyle>
           <a:p>
@@ -986,18 +1081,13 @@
               <a:rPr lang="de-DE"/>
               <a:t>Mastertitelformat bearbeiten</a:t>
             </a:r>
-          </a:p>
-        </p:txBody>
-      </p:sp>
-      <p:sp>
-        <p:nvSpPr>
-          <p:cNvPr id="3" name="Textplatzhalter 2">
-            <a:extLst>
-              <a:ext uri="{FF2B5EF4-FFF2-40B4-BE49-F238E27FC236}">
-                <a16:creationId xmlns:a16="http://schemas.microsoft.com/office/drawing/2014/main" id="{75699A1F-1E68-8123-9DD2-A560B5CA35A9}"/>
-              </a:ext>
-            </a:extLst>
-          </p:cNvPr>
+            <a:endParaRPr lang="en-US" dirty="0"/>
+          </a:p>
+        </p:txBody>
+      </p:sp>
+      <p:sp>
+        <p:nvSpPr>
+          <p:cNvPr id="3" name="Text Placeholder 2"/>
           <p:cNvSpPr>
             <a:spLocks noGrp="1"/>
           </p:cNvSpPr>
@@ -1007,20 +1097,27 @@
         </p:nvSpPr>
         <p:spPr>
           <a:xfrm>
-            <a:off x="831850" y="4589463"/>
-            <a:ext cx="10515600" cy="1500187"/>
+            <a:off x="765025" y="4216328"/>
+            <a:ext cx="9612971" cy="1143324"/>
           </a:xfrm>
         </p:spPr>
         <p:txBody>
           <a:bodyPr/>
           <a:lstStyle>
-            <a:lvl1pPr marL="0" indent="0">
+            <a:lvl1pPr marL="0" indent="0" algn="r">
+              <a:lnSpc>
+                <a:spcPct val="112000"/>
+              </a:lnSpc>
+              <a:spcBef>
+                <a:spcPts val="0"/>
+              </a:spcBef>
+              <a:spcAft>
+                <a:spcPts val="0"/>
+              </a:spcAft>
               <a:buNone/>
               <a:defRPr sz="2400">
                 <a:solidFill>
-                  <a:schemeClr val="tx1">
-                    <a:tint val="82000"/>
-                  </a:schemeClr>
+                  <a:schemeClr val="tx2"/>
                 </a:solidFill>
               </a:defRPr>
             </a:lvl1pPr>
@@ -1029,7 +1126,7 @@
               <a:defRPr sz="2000">
                 <a:solidFill>
                   <a:schemeClr val="tx1">
-                    <a:tint val="82000"/>
+                    <a:tint val="75000"/>
                   </a:schemeClr>
                 </a:solidFill>
               </a:defRPr>
@@ -1039,7 +1136,7 @@
               <a:defRPr sz="1800">
                 <a:solidFill>
                   <a:schemeClr val="tx1">
-                    <a:tint val="82000"/>
+                    <a:tint val="75000"/>
                   </a:schemeClr>
                 </a:solidFill>
               </a:defRPr>
@@ -1049,7 +1146,7 @@
               <a:defRPr sz="1600">
                 <a:solidFill>
                   <a:schemeClr val="tx1">
-                    <a:tint val="82000"/>
+                    <a:tint val="75000"/>
                   </a:schemeClr>
                 </a:solidFill>
               </a:defRPr>
@@ -1059,7 +1156,7 @@
               <a:defRPr sz="1600">
                 <a:solidFill>
                   <a:schemeClr val="tx1">
-                    <a:tint val="82000"/>
+                    <a:tint val="75000"/>
                   </a:schemeClr>
                 </a:solidFill>
               </a:defRPr>
@@ -1069,7 +1166,7 @@
               <a:defRPr sz="1600">
                 <a:solidFill>
                   <a:schemeClr val="tx1">
-                    <a:tint val="82000"/>
+                    <a:tint val="75000"/>
                   </a:schemeClr>
                 </a:solidFill>
               </a:defRPr>
@@ -1079,7 +1176,7 @@
               <a:defRPr sz="1600">
                 <a:solidFill>
                   <a:schemeClr val="tx1">
-                    <a:tint val="82000"/>
+                    <a:tint val="75000"/>
                   </a:schemeClr>
                 </a:solidFill>
               </a:defRPr>
@@ -1089,7 +1186,7 @@
               <a:defRPr sz="1600">
                 <a:solidFill>
                   <a:schemeClr val="tx1">
-                    <a:tint val="82000"/>
+                    <a:tint val="75000"/>
                   </a:schemeClr>
                 </a:solidFill>
               </a:defRPr>
@@ -1099,7 +1196,7 @@
               <a:defRPr sz="1600">
                 <a:solidFill>
                   <a:schemeClr val="tx1">
-                    <a:tint val="82000"/>
+                    <a:tint val="75000"/>
                   </a:schemeClr>
                 </a:solidFill>
               </a:defRPr>
@@ -1116,13 +1213,7 @@
       </p:sp>
       <p:sp>
         <p:nvSpPr>
-          <p:cNvPr id="4" name="Datumsplatzhalter 3">
-            <a:extLst>
-              <a:ext uri="{FF2B5EF4-FFF2-40B4-BE49-F238E27FC236}">
-                <a16:creationId xmlns:a16="http://schemas.microsoft.com/office/drawing/2014/main" id="{09FCEA97-C95E-B18D-4D34-0B9251E26130}"/>
-              </a:ext>
-            </a:extLst>
-          </p:cNvPr>
+          <p:cNvPr id="4" name="Date Placeholder 3"/>
           <p:cNvSpPr>
             <a:spLocks noGrp="1"/>
           </p:cNvSpPr>
@@ -1130,10 +1221,23 @@
             <p:ph type="dt" sz="half" idx="10"/>
           </p:nvPr>
         </p:nvSpPr>
-        <p:spPr/>
-        <p:txBody>
-          <a:bodyPr/>
-          <a:lstStyle/>
+        <p:spPr>
+          <a:xfrm>
+            <a:off x="738908" y="6453386"/>
+            <a:ext cx="1622409" cy="404614"/>
+          </a:xfrm>
+        </p:spPr>
+        <p:txBody>
+          <a:bodyPr/>
+          <a:lstStyle>
+            <a:lvl1pPr>
+              <a:defRPr>
+                <a:solidFill>
+                  <a:schemeClr val="tx2"/>
+                </a:solidFill>
+              </a:defRPr>
+            </a:lvl1pPr>
+          </a:lstStyle>
           <a:p>
             <a:fld id="{B83EF4BD-29B0-48A0-BCD3-00D511BA08FD}" type="datetimeFigureOut">
               <a:rPr lang="de-DE" smtClean="0"/>
@@ -1145,13 +1249,7 @@
       </p:sp>
       <p:sp>
         <p:nvSpPr>
-          <p:cNvPr id="5" name="Fußzeilenplatzhalter 4">
-            <a:extLst>
-              <a:ext uri="{FF2B5EF4-FFF2-40B4-BE49-F238E27FC236}">
-                <a16:creationId xmlns:a16="http://schemas.microsoft.com/office/drawing/2014/main" id="{F14B5B00-ECBB-DF62-06F9-B1D57B4C166B}"/>
-              </a:ext>
-            </a:extLst>
-          </p:cNvPr>
+          <p:cNvPr id="5" name="Footer Placeholder 4"/>
           <p:cNvSpPr>
             <a:spLocks noGrp="1"/>
           </p:cNvSpPr>
@@ -1159,10 +1257,23 @@
             <p:ph type="ftr" sz="quarter" idx="11"/>
           </p:nvPr>
         </p:nvSpPr>
-        <p:spPr/>
-        <p:txBody>
-          <a:bodyPr/>
-          <a:lstStyle/>
+        <p:spPr>
+          <a:xfrm>
+            <a:off x="2584312" y="6453386"/>
+            <a:ext cx="7023377" cy="404614"/>
+          </a:xfrm>
+        </p:spPr>
+        <p:txBody>
+          <a:bodyPr/>
+          <a:lstStyle>
+            <a:lvl1pPr algn="ctr">
+              <a:defRPr>
+                <a:solidFill>
+                  <a:schemeClr val="tx2"/>
+                </a:solidFill>
+              </a:defRPr>
+            </a:lvl1pPr>
+          </a:lstStyle>
           <a:p>
             <a:endParaRPr lang="de-DE"/>
           </a:p>
@@ -1170,13 +1281,7 @@
       </p:sp>
       <p:sp>
         <p:nvSpPr>
-          <p:cNvPr id="6" name="Foliennummernplatzhalter 5">
-            <a:extLst>
-              <a:ext uri="{FF2B5EF4-FFF2-40B4-BE49-F238E27FC236}">
-                <a16:creationId xmlns:a16="http://schemas.microsoft.com/office/drawing/2014/main" id="{CF22FD2D-EB7F-E48D-AF25-C8413BB8BD9F}"/>
-              </a:ext>
-            </a:extLst>
-          </p:cNvPr>
+          <p:cNvPr id="6" name="Slide Number Placeholder 5"/>
           <p:cNvSpPr>
             <a:spLocks noGrp="1"/>
           </p:cNvSpPr>
@@ -1184,10 +1289,23 @@
             <p:ph type="sldNum" sz="quarter" idx="12"/>
           </p:nvPr>
         </p:nvSpPr>
-        <p:spPr/>
-        <p:txBody>
-          <a:bodyPr/>
-          <a:lstStyle/>
+        <p:spPr>
+          <a:xfrm>
+            <a:off x="9830683" y="6453386"/>
+            <a:ext cx="1596292" cy="404614"/>
+          </a:xfrm>
+        </p:spPr>
+        <p:txBody>
+          <a:bodyPr/>
+          <a:lstStyle>
+            <a:lvl1pPr>
+              <a:defRPr>
+                <a:solidFill>
+                  <a:schemeClr val="tx2"/>
+                </a:solidFill>
+              </a:defRPr>
+            </a:lvl1pPr>
+          </a:lstStyle>
           <a:p>
             <a:fld id="{C98E1B35-FB86-4D9E-B6E3-6F7BC7FC2769}" type="slidenum">
               <a:rPr lang="de-DE" smtClean="0"/>
@@ -1197,15 +1315,71 @@
           </a:p>
         </p:txBody>
       </p:sp>
+      <p:sp>
+        <p:nvSpPr>
+          <p:cNvPr id="7" name="Freeform 6" title="Crop Mark"/>
+          <p:cNvSpPr/>
+          <p:nvPr/>
+        </p:nvSpPr>
+        <p:spPr bwMode="auto">
+          <a:xfrm>
+            <a:off x="8151962" y="1685652"/>
+            <a:ext cx="3275013" cy="4408488"/>
+          </a:xfrm>
+          <a:custGeom>
+            <a:avLst/>
+            <a:gdLst/>
+            <a:ahLst/>
+            <a:cxnLst/>
+            <a:rect l="0" t="0" r="r" b="b"/>
+            <a:pathLst>
+              <a:path w="4125" h="5554">
+                <a:moveTo>
+                  <a:pt x="3614" y="0"/>
+                </a:moveTo>
+                <a:lnTo>
+                  <a:pt x="4125" y="0"/>
+                </a:lnTo>
+                <a:lnTo>
+                  <a:pt x="4125" y="5554"/>
+                </a:lnTo>
+                <a:lnTo>
+                  <a:pt x="0" y="5554"/>
+                </a:lnTo>
+                <a:lnTo>
+                  <a:pt x="0" y="5074"/>
+                </a:lnTo>
+                <a:lnTo>
+                  <a:pt x="3614" y="5074"/>
+                </a:lnTo>
+                <a:lnTo>
+                  <a:pt x="3614" y="0"/>
+                </a:lnTo>
+                <a:close/>
+              </a:path>
+            </a:pathLst>
+          </a:custGeom>
+          <a:solidFill>
+            <a:schemeClr val="tx2"/>
+          </a:solidFill>
+          <a:ln w="0">
+            <a:noFill/>
+            <a:prstDash val="solid"/>
+            <a:round/>
+            <a:headEnd/>
+            <a:tailEnd/>
+          </a:ln>
+        </p:spPr>
+      </p:sp>
     </p:spTree>
     <p:extLst>
       <p:ext uri="{BB962C8B-B14F-4D97-AF65-F5344CB8AC3E}">
-        <p14:creationId xmlns:p14="http://schemas.microsoft.com/office/powerpoint/2010/main" val="3007512483"/>
+        <p14:creationId xmlns:p14="http://schemas.microsoft.com/office/powerpoint/2010/main" val="1888212792"/>
       </p:ext>
     </p:extLst>
   </p:cSld>
   <p:clrMapOvr>
-    <a:masterClrMapping/>
+    <a:overrideClrMapping bg1="dk1" tx1="lt1" bg2="dk2" tx2="lt2" accent1="accent1" accent2="accent2" accent3="accent3" accent4="accent4" accent5="accent5" accent6="accent6" hlink="hlink" folHlink="folHlink"/>
   </p:clrMapOvr>
 </p:sldLayout>
 </file>
@@ -1229,13 +1403,7 @@
       </p:grpSpPr>
       <p:sp>
         <p:nvSpPr>
-          <p:cNvPr id="2" name="Titel 1">
-            <a:extLst>
-              <a:ext uri="{FF2B5EF4-FFF2-40B4-BE49-F238E27FC236}">
-                <a16:creationId xmlns:a16="http://schemas.microsoft.com/office/drawing/2014/main" id="{70FEC322-7B0E-7510-8DC3-6837AA0E62B5}"/>
-              </a:ext>
-            </a:extLst>
-          </p:cNvPr>
+          <p:cNvPr id="2" name="Title 1"/>
           <p:cNvSpPr>
             <a:spLocks noGrp="1"/>
           </p:cNvSpPr>
@@ -1246,24 +1414,27 @@
         <p:spPr/>
         <p:txBody>
           <a:bodyPr/>
-          <a:lstStyle/>
+          <a:lstStyle>
+            <a:lvl1pPr>
+              <a:defRPr>
+                <a:solidFill>
+                  <a:schemeClr val="tx2"/>
+                </a:solidFill>
+              </a:defRPr>
+            </a:lvl1pPr>
+          </a:lstStyle>
           <a:p>
             <a:r>
               <a:rPr lang="de-DE"/>
               <a:t>Mastertitelformat bearbeiten</a:t>
             </a:r>
-          </a:p>
-        </p:txBody>
-      </p:sp>
-      <p:sp>
-        <p:nvSpPr>
-          <p:cNvPr id="3" name="Inhaltsplatzhalter 2">
-            <a:extLst>
-              <a:ext uri="{FF2B5EF4-FFF2-40B4-BE49-F238E27FC236}">
-                <a16:creationId xmlns:a16="http://schemas.microsoft.com/office/drawing/2014/main" id="{CF463C62-6164-8F38-1EC9-742051DEA046}"/>
-              </a:ext>
-            </a:extLst>
-          </p:cNvPr>
+            <a:endParaRPr lang="en-US" dirty="0"/>
+          </a:p>
+        </p:txBody>
+      </p:sp>
+      <p:sp>
+        <p:nvSpPr>
+          <p:cNvPr id="3" name="Content Placeholder 2"/>
           <p:cNvSpPr>
             <a:spLocks noGrp="1"/>
           </p:cNvSpPr>
@@ -1273,13 +1444,49 @@
         </p:nvSpPr>
         <p:spPr>
           <a:xfrm>
-            <a:off x="838200" y="1825625"/>
-            <a:ext cx="5181600" cy="4351338"/>
+            <a:off x="1371600" y="2285999"/>
+            <a:ext cx="4447786" cy="3581401"/>
           </a:xfrm>
         </p:spPr>
         <p:txBody>
           <a:bodyPr/>
-          <a:lstStyle/>
+          <a:lstStyle>
+            <a:lvl1pPr>
+              <a:defRPr baseline="0">
+                <a:solidFill>
+                  <a:schemeClr val="tx2"/>
+                </a:solidFill>
+              </a:defRPr>
+            </a:lvl1pPr>
+            <a:lvl2pPr>
+              <a:defRPr baseline="0">
+                <a:solidFill>
+                  <a:schemeClr val="tx2"/>
+                </a:solidFill>
+              </a:defRPr>
+            </a:lvl2pPr>
+            <a:lvl3pPr>
+              <a:defRPr baseline="0">
+                <a:solidFill>
+                  <a:schemeClr val="tx2"/>
+                </a:solidFill>
+              </a:defRPr>
+            </a:lvl3pPr>
+            <a:lvl4pPr>
+              <a:defRPr baseline="0">
+                <a:solidFill>
+                  <a:schemeClr val="tx2"/>
+                </a:solidFill>
+              </a:defRPr>
+            </a:lvl4pPr>
+            <a:lvl5pPr>
+              <a:defRPr baseline="0">
+                <a:solidFill>
+                  <a:schemeClr val="tx2"/>
+                </a:solidFill>
+              </a:defRPr>
+            </a:lvl5pPr>
+          </a:lstStyle>
           <a:p>
             <a:pPr lvl="0"/>
             <a:r>
@@ -1314,18 +1521,13 @@
               <a:rPr lang="de-DE"/>
               <a:t>Fünfte Ebene</a:t>
             </a:r>
-          </a:p>
-        </p:txBody>
-      </p:sp>
-      <p:sp>
-        <p:nvSpPr>
-          <p:cNvPr id="4" name="Inhaltsplatzhalter 3">
-            <a:extLst>
-              <a:ext uri="{FF2B5EF4-FFF2-40B4-BE49-F238E27FC236}">
-                <a16:creationId xmlns:a16="http://schemas.microsoft.com/office/drawing/2014/main" id="{AFDD3A2D-2ED8-5706-B4DF-9B74D863BBD3}"/>
-              </a:ext>
-            </a:extLst>
-          </p:cNvPr>
+            <a:endParaRPr lang="en-US" dirty="0"/>
+          </a:p>
+        </p:txBody>
+      </p:sp>
+      <p:sp>
+        <p:nvSpPr>
+          <p:cNvPr id="4" name="Content Placeholder 3"/>
           <p:cNvSpPr>
             <a:spLocks noGrp="1"/>
           </p:cNvSpPr>
@@ -1335,13 +1537,49 @@
         </p:nvSpPr>
         <p:spPr>
           <a:xfrm>
-            <a:off x="6172200" y="1825625"/>
-            <a:ext cx="5181600" cy="4351338"/>
+            <a:off x="6525403" y="2285999"/>
+            <a:ext cx="4447786" cy="3581401"/>
           </a:xfrm>
         </p:spPr>
         <p:txBody>
           <a:bodyPr/>
-          <a:lstStyle/>
+          <a:lstStyle>
+            <a:lvl1pPr>
+              <a:defRPr>
+                <a:solidFill>
+                  <a:schemeClr val="tx2"/>
+                </a:solidFill>
+              </a:defRPr>
+            </a:lvl1pPr>
+            <a:lvl2pPr>
+              <a:defRPr>
+                <a:solidFill>
+                  <a:schemeClr val="tx2"/>
+                </a:solidFill>
+              </a:defRPr>
+            </a:lvl2pPr>
+            <a:lvl3pPr>
+              <a:defRPr>
+                <a:solidFill>
+                  <a:schemeClr val="tx2"/>
+                </a:solidFill>
+              </a:defRPr>
+            </a:lvl3pPr>
+            <a:lvl4pPr>
+              <a:defRPr>
+                <a:solidFill>
+                  <a:schemeClr val="tx2"/>
+                </a:solidFill>
+              </a:defRPr>
+            </a:lvl4pPr>
+            <a:lvl5pPr>
+              <a:defRPr>
+                <a:solidFill>
+                  <a:schemeClr val="tx2"/>
+                </a:solidFill>
+              </a:defRPr>
+            </a:lvl5pPr>
+          </a:lstStyle>
           <a:p>
             <a:pPr lvl="0"/>
             <a:r>
@@ -1376,18 +1614,13 @@
               <a:rPr lang="de-DE"/>
               <a:t>Fünfte Ebene</a:t>
             </a:r>
-          </a:p>
-        </p:txBody>
-      </p:sp>
-      <p:sp>
-        <p:nvSpPr>
-          <p:cNvPr id="5" name="Datumsplatzhalter 4">
-            <a:extLst>
-              <a:ext uri="{FF2B5EF4-FFF2-40B4-BE49-F238E27FC236}">
-                <a16:creationId xmlns:a16="http://schemas.microsoft.com/office/drawing/2014/main" id="{89AC18DB-BDF2-51D1-05D9-598936D80914}"/>
-              </a:ext>
-            </a:extLst>
-          </p:cNvPr>
+            <a:endParaRPr lang="en-US" dirty="0"/>
+          </a:p>
+        </p:txBody>
+      </p:sp>
+      <p:sp>
+        <p:nvSpPr>
+          <p:cNvPr id="5" name="Date Placeholder 4"/>
           <p:cNvSpPr>
             <a:spLocks noGrp="1"/>
           </p:cNvSpPr>
@@ -1410,13 +1643,7 @@
       </p:sp>
       <p:sp>
         <p:nvSpPr>
-          <p:cNvPr id="6" name="Fußzeilenplatzhalter 5">
-            <a:extLst>
-              <a:ext uri="{FF2B5EF4-FFF2-40B4-BE49-F238E27FC236}">
-                <a16:creationId xmlns:a16="http://schemas.microsoft.com/office/drawing/2014/main" id="{8015C447-75DE-740F-61C0-D6AD390D0510}"/>
-              </a:ext>
-            </a:extLst>
-          </p:cNvPr>
+          <p:cNvPr id="6" name="Footer Placeholder 5"/>
           <p:cNvSpPr>
             <a:spLocks noGrp="1"/>
           </p:cNvSpPr>
@@ -1435,13 +1662,7 @@
       </p:sp>
       <p:sp>
         <p:nvSpPr>
-          <p:cNvPr id="7" name="Foliennummernplatzhalter 6">
-            <a:extLst>
-              <a:ext uri="{FF2B5EF4-FFF2-40B4-BE49-F238E27FC236}">
-                <a16:creationId xmlns:a16="http://schemas.microsoft.com/office/drawing/2014/main" id="{E1897F9F-BB84-6DAC-6951-BC019A772E84}"/>
-              </a:ext>
-            </a:extLst>
-          </p:cNvPr>
+          <p:cNvPr id="7" name="Slide Number Placeholder 6"/>
           <p:cNvSpPr>
             <a:spLocks noGrp="1"/>
           </p:cNvSpPr>
@@ -1465,7 +1686,7 @@
     </p:spTree>
     <p:extLst>
       <p:ext uri="{BB962C8B-B14F-4D97-AF65-F5344CB8AC3E}">
-        <p14:creationId xmlns:p14="http://schemas.microsoft.com/office/powerpoint/2010/main" val="624471441"/>
+        <p14:creationId xmlns:p14="http://schemas.microsoft.com/office/powerpoint/2010/main" val="3448702874"/>
       </p:ext>
     </p:extLst>
   </p:cSld>
@@ -1494,13 +1715,7 @@
       </p:grpSpPr>
       <p:sp>
         <p:nvSpPr>
-          <p:cNvPr id="2" name="Titel 1">
-            <a:extLst>
-              <a:ext uri="{FF2B5EF4-FFF2-40B4-BE49-F238E27FC236}">
-                <a16:creationId xmlns:a16="http://schemas.microsoft.com/office/drawing/2014/main" id="{EFAB75ED-2D27-BE06-6BF1-318195B84FAC}"/>
-              </a:ext>
-            </a:extLst>
-          </p:cNvPr>
+          <p:cNvPr id="2" name="Title 1"/>
           <p:cNvSpPr>
             <a:spLocks noGrp="1"/>
           </p:cNvSpPr>
@@ -1510,30 +1725,33 @@
         </p:nvSpPr>
         <p:spPr>
           <a:xfrm>
-            <a:off x="839788" y="365125"/>
-            <a:ext cx="10515600" cy="1325563"/>
+            <a:off x="1371600" y="685800"/>
+            <a:ext cx="9601200" cy="1485900"/>
           </a:xfrm>
         </p:spPr>
         <p:txBody>
           <a:bodyPr/>
-          <a:lstStyle/>
+          <a:lstStyle>
+            <a:lvl1pPr>
+              <a:defRPr>
+                <a:solidFill>
+                  <a:schemeClr val="tx2"/>
+                </a:solidFill>
+              </a:defRPr>
+            </a:lvl1pPr>
+          </a:lstStyle>
           <a:p>
             <a:r>
               <a:rPr lang="de-DE"/>
               <a:t>Mastertitelformat bearbeiten</a:t>
             </a:r>
-          </a:p>
-        </p:txBody>
-      </p:sp>
-      <p:sp>
-        <p:nvSpPr>
-          <p:cNvPr id="3" name="Textplatzhalter 2">
-            <a:extLst>
-              <a:ext uri="{FF2B5EF4-FFF2-40B4-BE49-F238E27FC236}">
-                <a16:creationId xmlns:a16="http://schemas.microsoft.com/office/drawing/2014/main" id="{872D3321-A44B-48AE-C1DF-BCA9E6145F55}"/>
-              </a:ext>
-            </a:extLst>
-          </p:cNvPr>
+            <a:endParaRPr lang="en-US" dirty="0"/>
+          </a:p>
+        </p:txBody>
+      </p:sp>
+      <p:sp>
+        <p:nvSpPr>
+          <p:cNvPr id="3" name="Text Placeholder 2"/>
           <p:cNvSpPr>
             <a:spLocks noGrp="1"/>
           </p:cNvSpPr>
@@ -1543,16 +1761,31 @@
         </p:nvSpPr>
         <p:spPr>
           <a:xfrm>
-            <a:off x="839788" y="1681163"/>
-            <a:ext cx="5157787" cy="823912"/>
+            <a:off x="1371600" y="2340864"/>
+            <a:ext cx="4443984" cy="823912"/>
           </a:xfrm>
         </p:spPr>
         <p:txBody>
-          <a:bodyPr anchor="b"/>
+          <a:bodyPr anchor="b">
+            <a:noAutofit/>
+          </a:bodyPr>
           <a:lstStyle>
             <a:lvl1pPr marL="0" indent="0">
-              <a:buNone/>
-              <a:defRPr sz="2400" b="1"/>
+              <a:lnSpc>
+                <a:spcPct val="84000"/>
+              </a:lnSpc>
+              <a:spcBef>
+                <a:spcPts val="0"/>
+              </a:spcBef>
+              <a:spcAft>
+                <a:spcPts val="0"/>
+              </a:spcAft>
+              <a:buNone/>
+              <a:defRPr sz="3000" b="0" baseline="0">
+                <a:solidFill>
+                  <a:schemeClr val="tx2"/>
+                </a:solidFill>
+              </a:defRPr>
             </a:lvl1pPr>
             <a:lvl2pPr marL="457200" indent="0">
               <a:buNone/>
@@ -1598,13 +1831,7 @@
       </p:sp>
       <p:sp>
         <p:nvSpPr>
-          <p:cNvPr id="4" name="Inhaltsplatzhalter 3">
-            <a:extLst>
-              <a:ext uri="{FF2B5EF4-FFF2-40B4-BE49-F238E27FC236}">
-                <a16:creationId xmlns:a16="http://schemas.microsoft.com/office/drawing/2014/main" id="{5C4C88D1-29B2-0565-92DE-4CB588422D11}"/>
-              </a:ext>
-            </a:extLst>
-          </p:cNvPr>
+          <p:cNvPr id="4" name="Content Placeholder 3"/>
           <p:cNvSpPr>
             <a:spLocks noGrp="1"/>
           </p:cNvSpPr>
@@ -1614,13 +1841,49 @@
         </p:nvSpPr>
         <p:spPr>
           <a:xfrm>
-            <a:off x="839788" y="2505075"/>
-            <a:ext cx="5157787" cy="3684588"/>
+            <a:off x="1371600" y="3305207"/>
+            <a:ext cx="4443984" cy="2562193"/>
           </a:xfrm>
         </p:spPr>
         <p:txBody>
           <a:bodyPr/>
-          <a:lstStyle/>
+          <a:lstStyle>
+            <a:lvl1pPr>
+              <a:defRPr baseline="0">
+                <a:solidFill>
+                  <a:schemeClr val="tx2"/>
+                </a:solidFill>
+              </a:defRPr>
+            </a:lvl1pPr>
+            <a:lvl2pPr>
+              <a:defRPr baseline="0">
+                <a:solidFill>
+                  <a:schemeClr val="tx2"/>
+                </a:solidFill>
+              </a:defRPr>
+            </a:lvl2pPr>
+            <a:lvl3pPr>
+              <a:defRPr baseline="0">
+                <a:solidFill>
+                  <a:schemeClr val="tx2"/>
+                </a:solidFill>
+              </a:defRPr>
+            </a:lvl3pPr>
+            <a:lvl4pPr>
+              <a:defRPr baseline="0">
+                <a:solidFill>
+                  <a:schemeClr val="tx2"/>
+                </a:solidFill>
+              </a:defRPr>
+            </a:lvl4pPr>
+            <a:lvl5pPr>
+              <a:defRPr baseline="0">
+                <a:solidFill>
+                  <a:schemeClr val="tx2"/>
+                </a:solidFill>
+              </a:defRPr>
+            </a:lvl5pPr>
+          </a:lstStyle>
           <a:p>
             <a:pPr lvl="0"/>
             <a:r>
@@ -1655,18 +1918,13 @@
               <a:rPr lang="de-DE"/>
               <a:t>Fünfte Ebene</a:t>
             </a:r>
-          </a:p>
-        </p:txBody>
-      </p:sp>
-      <p:sp>
-        <p:nvSpPr>
-          <p:cNvPr id="5" name="Textplatzhalter 4">
-            <a:extLst>
-              <a:ext uri="{FF2B5EF4-FFF2-40B4-BE49-F238E27FC236}">
-                <a16:creationId xmlns:a16="http://schemas.microsoft.com/office/drawing/2014/main" id="{C665912C-5692-DA7E-5492-126968E9BA17}"/>
-              </a:ext>
-            </a:extLst>
-          </p:cNvPr>
+            <a:endParaRPr lang="en-US" dirty="0"/>
+          </a:p>
+        </p:txBody>
+      </p:sp>
+      <p:sp>
+        <p:nvSpPr>
+          <p:cNvPr id="5" name="Text Placeholder 4"/>
           <p:cNvSpPr>
             <a:spLocks noGrp="1"/>
           </p:cNvSpPr>
@@ -1676,16 +1934,31 @@
         </p:nvSpPr>
         <p:spPr>
           <a:xfrm>
-            <a:off x="6172200" y="1681163"/>
-            <a:ext cx="5183188" cy="823912"/>
+            <a:off x="6525014" y="2340864"/>
+            <a:ext cx="4443984" cy="823912"/>
           </a:xfrm>
         </p:spPr>
         <p:txBody>
-          <a:bodyPr anchor="b"/>
+          <a:bodyPr anchor="b">
+            <a:noAutofit/>
+          </a:bodyPr>
           <a:lstStyle>
             <a:lvl1pPr marL="0" indent="0">
-              <a:buNone/>
-              <a:defRPr sz="2400" b="1"/>
+              <a:lnSpc>
+                <a:spcPct val="84000"/>
+              </a:lnSpc>
+              <a:spcBef>
+                <a:spcPts val="0"/>
+              </a:spcBef>
+              <a:spcAft>
+                <a:spcPts val="0"/>
+              </a:spcAft>
+              <a:buNone/>
+              <a:defRPr sz="3000" b="0" baseline="0">
+                <a:solidFill>
+                  <a:schemeClr val="tx2"/>
+                </a:solidFill>
+              </a:defRPr>
             </a:lvl1pPr>
             <a:lvl2pPr marL="457200" indent="0">
               <a:buNone/>
@@ -1731,13 +2004,7 @@
       </p:sp>
       <p:sp>
         <p:nvSpPr>
-          <p:cNvPr id="6" name="Inhaltsplatzhalter 5">
-            <a:extLst>
-              <a:ext uri="{FF2B5EF4-FFF2-40B4-BE49-F238E27FC236}">
-                <a16:creationId xmlns:a16="http://schemas.microsoft.com/office/drawing/2014/main" id="{604CFE02-F092-5604-B3C0-DE15B521D8B4}"/>
-              </a:ext>
-            </a:extLst>
-          </p:cNvPr>
+          <p:cNvPr id="6" name="Content Placeholder 5"/>
           <p:cNvSpPr>
             <a:spLocks noGrp="1"/>
           </p:cNvSpPr>
@@ -1747,13 +2014,49 @@
         </p:nvSpPr>
         <p:spPr>
           <a:xfrm>
-            <a:off x="6172200" y="2505075"/>
-            <a:ext cx="5183188" cy="3684588"/>
+            <a:off x="6525014" y="3305207"/>
+            <a:ext cx="4443984" cy="2562193"/>
           </a:xfrm>
         </p:spPr>
         <p:txBody>
           <a:bodyPr/>
-          <a:lstStyle/>
+          <a:lstStyle>
+            <a:lvl1pPr>
+              <a:defRPr baseline="0">
+                <a:solidFill>
+                  <a:schemeClr val="tx2"/>
+                </a:solidFill>
+              </a:defRPr>
+            </a:lvl1pPr>
+            <a:lvl2pPr>
+              <a:defRPr baseline="0">
+                <a:solidFill>
+                  <a:schemeClr val="tx2"/>
+                </a:solidFill>
+              </a:defRPr>
+            </a:lvl2pPr>
+            <a:lvl3pPr>
+              <a:defRPr baseline="0">
+                <a:solidFill>
+                  <a:schemeClr val="tx2"/>
+                </a:solidFill>
+              </a:defRPr>
+            </a:lvl3pPr>
+            <a:lvl4pPr>
+              <a:defRPr baseline="0">
+                <a:solidFill>
+                  <a:schemeClr val="tx2"/>
+                </a:solidFill>
+              </a:defRPr>
+            </a:lvl4pPr>
+            <a:lvl5pPr>
+              <a:defRPr baseline="0">
+                <a:solidFill>
+                  <a:schemeClr val="tx2"/>
+                </a:solidFill>
+              </a:defRPr>
+            </a:lvl5pPr>
+          </a:lstStyle>
           <a:p>
             <a:pPr lvl="0"/>
             <a:r>
@@ -1788,18 +2091,13 @@
               <a:rPr lang="de-DE"/>
               <a:t>Fünfte Ebene</a:t>
             </a:r>
-          </a:p>
-        </p:txBody>
-      </p:sp>
-      <p:sp>
-        <p:nvSpPr>
-          <p:cNvPr id="7" name="Datumsplatzhalter 6">
-            <a:extLst>
-              <a:ext uri="{FF2B5EF4-FFF2-40B4-BE49-F238E27FC236}">
-                <a16:creationId xmlns:a16="http://schemas.microsoft.com/office/drawing/2014/main" id="{0B87D5AD-8007-B93D-C983-238097E73624}"/>
-              </a:ext>
-            </a:extLst>
-          </p:cNvPr>
+            <a:endParaRPr lang="en-US" dirty="0"/>
+          </a:p>
+        </p:txBody>
+      </p:sp>
+      <p:sp>
+        <p:nvSpPr>
+          <p:cNvPr id="7" name="Date Placeholder 6"/>
           <p:cNvSpPr>
             <a:spLocks noGrp="1"/>
           </p:cNvSpPr>
@@ -1822,13 +2120,7 @@
       </p:sp>
       <p:sp>
         <p:nvSpPr>
-          <p:cNvPr id="8" name="Fußzeilenplatzhalter 7">
-            <a:extLst>
-              <a:ext uri="{FF2B5EF4-FFF2-40B4-BE49-F238E27FC236}">
-                <a16:creationId xmlns:a16="http://schemas.microsoft.com/office/drawing/2014/main" id="{E4CE98CB-B662-17D4-C798-DB5EC09D0E5C}"/>
-              </a:ext>
-            </a:extLst>
-          </p:cNvPr>
+          <p:cNvPr id="8" name="Footer Placeholder 7"/>
           <p:cNvSpPr>
             <a:spLocks noGrp="1"/>
           </p:cNvSpPr>
@@ -1847,13 +2139,7 @@
       </p:sp>
       <p:sp>
         <p:nvSpPr>
-          <p:cNvPr id="9" name="Foliennummernplatzhalter 8">
-            <a:extLst>
-              <a:ext uri="{FF2B5EF4-FFF2-40B4-BE49-F238E27FC236}">
-                <a16:creationId xmlns:a16="http://schemas.microsoft.com/office/drawing/2014/main" id="{8F584BD4-3610-E344-7CC0-BA29AF7A58CA}"/>
-              </a:ext>
-            </a:extLst>
-          </p:cNvPr>
+          <p:cNvPr id="9" name="Slide Number Placeholder 8"/>
           <p:cNvSpPr>
             <a:spLocks noGrp="1"/>
           </p:cNvSpPr>
@@ -1877,7 +2163,7 @@
     </p:spTree>
     <p:extLst>
       <p:ext uri="{BB962C8B-B14F-4D97-AF65-F5344CB8AC3E}">
-        <p14:creationId xmlns:p14="http://schemas.microsoft.com/office/powerpoint/2010/main" val="3023820451"/>
+        <p14:creationId xmlns:p14="http://schemas.microsoft.com/office/powerpoint/2010/main" val="3760735845"/>
       </p:ext>
     </p:extLst>
   </p:cSld>
@@ -1906,13 +2192,7 @@
       </p:grpSpPr>
       <p:sp>
         <p:nvSpPr>
-          <p:cNvPr id="2" name="Titel 1">
-            <a:extLst>
-              <a:ext uri="{FF2B5EF4-FFF2-40B4-BE49-F238E27FC236}">
-                <a16:creationId xmlns:a16="http://schemas.microsoft.com/office/drawing/2014/main" id="{2D8B2438-C65D-5D3E-2B04-68AA3FEBF14B}"/>
-              </a:ext>
-            </a:extLst>
-          </p:cNvPr>
+          <p:cNvPr id="2" name="Title 1"/>
           <p:cNvSpPr>
             <a:spLocks noGrp="1"/>
           </p:cNvSpPr>
@@ -1929,18 +2209,13 @@
               <a:rPr lang="de-DE"/>
               <a:t>Mastertitelformat bearbeiten</a:t>
             </a:r>
-          </a:p>
-        </p:txBody>
-      </p:sp>
-      <p:sp>
-        <p:nvSpPr>
-          <p:cNvPr id="3" name="Datumsplatzhalter 2">
-            <a:extLst>
-              <a:ext uri="{FF2B5EF4-FFF2-40B4-BE49-F238E27FC236}">
-                <a16:creationId xmlns:a16="http://schemas.microsoft.com/office/drawing/2014/main" id="{5B805438-0CEF-478E-358E-58489E380C23}"/>
-              </a:ext>
-            </a:extLst>
-          </p:cNvPr>
+            <a:endParaRPr lang="en-US" dirty="0"/>
+          </a:p>
+        </p:txBody>
+      </p:sp>
+      <p:sp>
+        <p:nvSpPr>
+          <p:cNvPr id="3" name="Date Placeholder 2"/>
           <p:cNvSpPr>
             <a:spLocks noGrp="1"/>
           </p:cNvSpPr>
@@ -1963,13 +2238,7 @@
       </p:sp>
       <p:sp>
         <p:nvSpPr>
-          <p:cNvPr id="4" name="Fußzeilenplatzhalter 3">
-            <a:extLst>
-              <a:ext uri="{FF2B5EF4-FFF2-40B4-BE49-F238E27FC236}">
-                <a16:creationId xmlns:a16="http://schemas.microsoft.com/office/drawing/2014/main" id="{AB63E67E-F2B6-C165-A49D-6969EAC11E3F}"/>
-              </a:ext>
-            </a:extLst>
-          </p:cNvPr>
+          <p:cNvPr id="4" name="Footer Placeholder 3"/>
           <p:cNvSpPr>
             <a:spLocks noGrp="1"/>
           </p:cNvSpPr>
@@ -1988,13 +2257,7 @@
       </p:sp>
       <p:sp>
         <p:nvSpPr>
-          <p:cNvPr id="5" name="Foliennummernplatzhalter 4">
-            <a:extLst>
-              <a:ext uri="{FF2B5EF4-FFF2-40B4-BE49-F238E27FC236}">
-                <a16:creationId xmlns:a16="http://schemas.microsoft.com/office/drawing/2014/main" id="{D30E1514-F653-69F8-1DA1-D1BA3228ADD1}"/>
-              </a:ext>
-            </a:extLst>
-          </p:cNvPr>
+          <p:cNvPr id="5" name="Slide Number Placeholder 4"/>
           <p:cNvSpPr>
             <a:spLocks noGrp="1"/>
           </p:cNvSpPr>
@@ -2018,7 +2281,7 @@
     </p:spTree>
     <p:extLst>
       <p:ext uri="{BB962C8B-B14F-4D97-AF65-F5344CB8AC3E}">
-        <p14:creationId xmlns:p14="http://schemas.microsoft.com/office/powerpoint/2010/main" val="2032459310"/>
+        <p14:creationId xmlns:p14="http://schemas.microsoft.com/office/powerpoint/2010/main" val="53349812"/>
       </p:ext>
     </p:extLst>
   </p:cSld>
@@ -2047,13 +2310,7 @@
       </p:grpSpPr>
       <p:sp>
         <p:nvSpPr>
-          <p:cNvPr id="2" name="Datumsplatzhalter 1">
-            <a:extLst>
-              <a:ext uri="{FF2B5EF4-FFF2-40B4-BE49-F238E27FC236}">
-                <a16:creationId xmlns:a16="http://schemas.microsoft.com/office/drawing/2014/main" id="{C62D0119-15BF-E1D3-8C46-DB49E773DD0A}"/>
-              </a:ext>
-            </a:extLst>
-          </p:cNvPr>
+          <p:cNvPr id="2" name="Date Placeholder 1"/>
           <p:cNvSpPr>
             <a:spLocks noGrp="1"/>
           </p:cNvSpPr>
@@ -2076,13 +2333,7 @@
       </p:sp>
       <p:sp>
         <p:nvSpPr>
-          <p:cNvPr id="3" name="Fußzeilenplatzhalter 2">
-            <a:extLst>
-              <a:ext uri="{FF2B5EF4-FFF2-40B4-BE49-F238E27FC236}">
-                <a16:creationId xmlns:a16="http://schemas.microsoft.com/office/drawing/2014/main" id="{E88C5921-16B7-CC27-9527-A967DBCE4A7F}"/>
-              </a:ext>
-            </a:extLst>
-          </p:cNvPr>
+          <p:cNvPr id="3" name="Footer Placeholder 2"/>
           <p:cNvSpPr>
             <a:spLocks noGrp="1"/>
           </p:cNvSpPr>
@@ -2101,13 +2352,7 @@
       </p:sp>
       <p:sp>
         <p:nvSpPr>
-          <p:cNvPr id="4" name="Foliennummernplatzhalter 3">
-            <a:extLst>
-              <a:ext uri="{FF2B5EF4-FFF2-40B4-BE49-F238E27FC236}">
-                <a16:creationId xmlns:a16="http://schemas.microsoft.com/office/drawing/2014/main" id="{08218DAA-B630-4D3C-9E1D-8C2DCB416342}"/>
-              </a:ext>
-            </a:extLst>
-          </p:cNvPr>
+          <p:cNvPr id="4" name="Slide Number Placeholder 3"/>
           <p:cNvSpPr>
             <a:spLocks noGrp="1"/>
           </p:cNvSpPr>
@@ -2131,7 +2376,7 @@
     </p:spTree>
     <p:extLst>
       <p:ext uri="{BB962C8B-B14F-4D97-AF65-F5344CB8AC3E}">
-        <p14:creationId xmlns:p14="http://schemas.microsoft.com/office/powerpoint/2010/main" val="1235892107"/>
+        <p14:creationId xmlns:p14="http://schemas.microsoft.com/office/powerpoint/2010/main" val="4192181806"/>
       </p:ext>
     </p:extLst>
   </p:cSld>
@@ -2142,7 +2387,7 @@
 </file>
 
 <file path=ppt/slideLayouts/slideLayout8.xml><?xml version="1.0" encoding="utf-8"?>
-<p:sldLayout xmlns:a="http://schemas.openxmlformats.org/drawingml/2006/main" xmlns:r="http://schemas.openxmlformats.org/officeDocument/2006/relationships" xmlns:p="http://schemas.openxmlformats.org/presentationml/2006/main" type="objTx" preserve="1">
+<p:sldLayout xmlns:a="http://schemas.openxmlformats.org/drawingml/2006/main" xmlns:r="http://schemas.openxmlformats.org/officeDocument/2006/relationships" xmlns:p="http://schemas.openxmlformats.org/presentationml/2006/main" showMasterSp="0" type="objTx" preserve="1">
   <p:cSld name="Inhalt mit Überschrift">
     <p:spTree>
       <p:nvGrpSpPr>
@@ -2160,31 +2405,72 @@
       </p:grpSpPr>
       <p:sp>
         <p:nvSpPr>
-          <p:cNvPr id="2" name="Titel 1">
-            <a:extLst>
-              <a:ext uri="{FF2B5EF4-FFF2-40B4-BE49-F238E27FC236}">
-                <a16:creationId xmlns:a16="http://schemas.microsoft.com/office/drawing/2014/main" id="{40459D2A-5D33-8E8E-D122-D6DAB3AC5210}"/>
-              </a:ext>
-            </a:extLst>
-          </p:cNvPr>
-          <p:cNvSpPr>
-            <a:spLocks noGrp="1"/>
-          </p:cNvSpPr>
-          <p:nvPr>
-            <p:ph type="title"/>
-          </p:nvPr>
+          <p:cNvPr id="8" name="Rectangle 7" title="Background Shape"/>
+          <p:cNvSpPr/>
+          <p:nvPr/>
         </p:nvSpPr>
         <p:spPr>
           <a:xfrm>
-            <a:off x="839788" y="457200"/>
-            <a:ext cx="3932237" cy="1600200"/>
+            <a:off x="0" y="376"/>
+            <a:ext cx="5303520" cy="6857624"/>
+          </a:xfrm>
+          <a:prstGeom prst="rect">
+            <a:avLst/>
+          </a:prstGeom>
+          <a:solidFill>
+            <a:schemeClr val="accent1"/>
+          </a:solidFill>
+          <a:ln>
+            <a:noFill/>
+          </a:ln>
+        </p:spPr>
+        <p:style>
+          <a:lnRef idx="2">
+            <a:schemeClr val="accent1">
+              <a:shade val="50000"/>
+            </a:schemeClr>
+          </a:lnRef>
+          <a:fillRef idx="1">
+            <a:schemeClr val="accent1"/>
+          </a:fillRef>
+          <a:effectRef idx="0">
+            <a:schemeClr val="accent1"/>
+          </a:effectRef>
+          <a:fontRef idx="minor">
+            <a:schemeClr val="lt1"/>
+          </a:fontRef>
+        </p:style>
+      </p:sp>
+      <p:sp>
+        <p:nvSpPr>
+          <p:cNvPr id="2" name="Title 1"/>
+          <p:cNvSpPr>
+            <a:spLocks noGrp="1"/>
+          </p:cNvSpPr>
+          <p:nvPr>
+            <p:ph type="title"/>
+          </p:nvPr>
+        </p:nvSpPr>
+        <p:spPr>
+          <a:xfrm>
+            <a:off x="723900" y="685800"/>
+            <a:ext cx="3855720" cy="2157884"/>
           </a:xfrm>
         </p:spPr>
         <p:txBody>
-          <a:bodyPr anchor="b"/>
+          <a:bodyPr anchor="t">
+            <a:noAutofit/>
+          </a:bodyPr>
           <a:lstStyle>
             <a:lvl1pPr>
-              <a:defRPr sz="3200"/>
+              <a:lnSpc>
+                <a:spcPct val="84000"/>
+              </a:lnSpc>
+              <a:defRPr sz="4800" baseline="0">
+                <a:solidFill>
+                  <a:schemeClr val="tx2"/>
+                </a:solidFill>
+              </a:defRPr>
             </a:lvl1pPr>
           </a:lstStyle>
           <a:p>
@@ -2192,18 +2478,13 @@
               <a:rPr lang="de-DE"/>
               <a:t>Mastertitelformat bearbeiten</a:t>
             </a:r>
-          </a:p>
-        </p:txBody>
-      </p:sp>
-      <p:sp>
-        <p:nvSpPr>
-          <p:cNvPr id="3" name="Inhaltsplatzhalter 2">
-            <a:extLst>
-              <a:ext uri="{FF2B5EF4-FFF2-40B4-BE49-F238E27FC236}">
-                <a16:creationId xmlns:a16="http://schemas.microsoft.com/office/drawing/2014/main" id="{A73FCC12-7FE7-7269-92A6-908031AE28B8}"/>
-              </a:ext>
-            </a:extLst>
-          </p:cNvPr>
+            <a:endParaRPr lang="en-US" dirty="0"/>
+          </a:p>
+        </p:txBody>
+      </p:sp>
+      <p:sp>
+        <p:nvSpPr>
+          <p:cNvPr id="3" name="Content Placeholder 2"/>
           <p:cNvSpPr>
             <a:spLocks noGrp="1"/>
           </p:cNvSpPr>
@@ -2213,39 +2494,39 @@
         </p:nvSpPr>
         <p:spPr>
           <a:xfrm>
-            <a:off x="5183188" y="987425"/>
-            <a:ext cx="6172200" cy="4873625"/>
+            <a:off x="6256020" y="685801"/>
+            <a:ext cx="5212080" cy="5175250"/>
           </a:xfrm>
         </p:spPr>
         <p:txBody>
           <a:bodyPr/>
           <a:lstStyle>
             <a:lvl1pPr>
-              <a:defRPr sz="3200"/>
+              <a:defRPr sz="2000"/>
             </a:lvl1pPr>
             <a:lvl2pPr>
-              <a:defRPr sz="2800"/>
+              <a:defRPr sz="2000"/>
             </a:lvl2pPr>
             <a:lvl3pPr>
-              <a:defRPr sz="2400"/>
+              <a:defRPr sz="1800"/>
             </a:lvl3pPr>
             <a:lvl4pPr>
-              <a:defRPr sz="2000"/>
+              <a:defRPr sz="1800"/>
             </a:lvl4pPr>
             <a:lvl5pPr>
-              <a:defRPr sz="2000"/>
+              <a:defRPr sz="1600"/>
             </a:lvl5pPr>
             <a:lvl6pPr>
-              <a:defRPr sz="2000"/>
+              <a:defRPr sz="1600"/>
             </a:lvl6pPr>
             <a:lvl7pPr>
-              <a:defRPr sz="2000"/>
+              <a:defRPr sz="1600"/>
             </a:lvl7pPr>
             <a:lvl8pPr>
-              <a:defRPr sz="2000"/>
+              <a:defRPr sz="1600"/>
             </a:lvl8pPr>
             <a:lvl9pPr>
-              <a:defRPr sz="2000"/>
+              <a:defRPr sz="1600"/>
             </a:lvl9pPr>
           </a:lstStyle>
           <a:p>
@@ -2282,18 +2563,13 @@
               <a:rPr lang="de-DE"/>
               <a:t>Fünfte Ebene</a:t>
             </a:r>
-          </a:p>
-        </p:txBody>
-      </p:sp>
-      <p:sp>
-        <p:nvSpPr>
-          <p:cNvPr id="4" name="Textplatzhalter 3">
-            <a:extLst>
-              <a:ext uri="{FF2B5EF4-FFF2-40B4-BE49-F238E27FC236}">
-                <a16:creationId xmlns:a16="http://schemas.microsoft.com/office/drawing/2014/main" id="{E79D56FD-1141-63D1-15EA-5A34E9FB3F97}"/>
-              </a:ext>
-            </a:extLst>
-          </p:cNvPr>
+            <a:endParaRPr lang="en-US" dirty="0"/>
+          </a:p>
+        </p:txBody>
+      </p:sp>
+      <p:sp>
+        <p:nvSpPr>
+          <p:cNvPr id="4" name="Text Placeholder 3"/>
           <p:cNvSpPr>
             <a:spLocks noGrp="1"/>
           </p:cNvSpPr>
@@ -2303,14 +2579,23 @@
         </p:nvSpPr>
         <p:spPr>
           <a:xfrm>
-            <a:off x="839788" y="2057400"/>
-            <a:ext cx="3932237" cy="3811588"/>
+            <a:off x="723900" y="2856344"/>
+            <a:ext cx="3855720" cy="3011056"/>
           </a:xfrm>
         </p:spPr>
         <p:txBody>
           <a:bodyPr/>
           <a:lstStyle>
             <a:lvl1pPr marL="0" indent="0">
+              <a:lnSpc>
+                <a:spcPct val="113000"/>
+              </a:lnSpc>
+              <a:spcBef>
+                <a:spcPts val="0"/>
+              </a:spcBef>
+              <a:spcAft>
+                <a:spcPts val="1500"/>
+              </a:spcAft>
               <a:buNone/>
               <a:defRPr sz="1600"/>
             </a:lvl1pPr>
@@ -2358,13 +2643,7 @@
       </p:sp>
       <p:sp>
         <p:nvSpPr>
-          <p:cNvPr id="5" name="Datumsplatzhalter 4">
-            <a:extLst>
-              <a:ext uri="{FF2B5EF4-FFF2-40B4-BE49-F238E27FC236}">
-                <a16:creationId xmlns:a16="http://schemas.microsoft.com/office/drawing/2014/main" id="{4FACFE45-95B9-1347-B2AA-0612330AD6D1}"/>
-              </a:ext>
-            </a:extLst>
-          </p:cNvPr>
+          <p:cNvPr id="5" name="Date Placeholder 4"/>
           <p:cNvSpPr>
             <a:spLocks noGrp="1"/>
           </p:cNvSpPr>
@@ -2372,10 +2651,23 @@
             <p:ph type="dt" sz="half" idx="10"/>
           </p:nvPr>
         </p:nvSpPr>
-        <p:spPr/>
-        <p:txBody>
-          <a:bodyPr/>
-          <a:lstStyle/>
+        <p:spPr>
+          <a:xfrm>
+            <a:off x="723900" y="6453386"/>
+            <a:ext cx="1204572" cy="404614"/>
+          </a:xfrm>
+        </p:spPr>
+        <p:txBody>
+          <a:bodyPr/>
+          <a:lstStyle>
+            <a:lvl1pPr>
+              <a:defRPr>
+                <a:solidFill>
+                  <a:schemeClr val="tx2"/>
+                </a:solidFill>
+              </a:defRPr>
+            </a:lvl1pPr>
+          </a:lstStyle>
           <a:p>
             <a:fld id="{B83EF4BD-29B0-48A0-BCD3-00D511BA08FD}" type="datetimeFigureOut">
               <a:rPr lang="de-DE" smtClean="0"/>
@@ -2387,13 +2679,7 @@
       </p:sp>
       <p:sp>
         <p:nvSpPr>
-          <p:cNvPr id="6" name="Fußzeilenplatzhalter 5">
-            <a:extLst>
-              <a:ext uri="{FF2B5EF4-FFF2-40B4-BE49-F238E27FC236}">
-                <a16:creationId xmlns:a16="http://schemas.microsoft.com/office/drawing/2014/main" id="{15584161-5A78-37ED-CE1A-6AEB7D15B0A0}"/>
-              </a:ext>
-            </a:extLst>
-          </p:cNvPr>
+          <p:cNvPr id="6" name="Footer Placeholder 5"/>
           <p:cNvSpPr>
             <a:spLocks noGrp="1"/>
           </p:cNvSpPr>
@@ -2401,10 +2687,23 @@
             <p:ph type="ftr" sz="quarter" idx="11"/>
           </p:nvPr>
         </p:nvSpPr>
-        <p:spPr/>
-        <p:txBody>
-          <a:bodyPr/>
-          <a:lstStyle/>
+        <p:spPr>
+          <a:xfrm>
+            <a:off x="2205945" y="6453386"/>
+            <a:ext cx="2373675" cy="404614"/>
+          </a:xfrm>
+        </p:spPr>
+        <p:txBody>
+          <a:bodyPr/>
+          <a:lstStyle>
+            <a:lvl1pPr>
+              <a:defRPr>
+                <a:solidFill>
+                  <a:schemeClr val="tx2"/>
+                </a:solidFill>
+              </a:defRPr>
+            </a:lvl1pPr>
+          </a:lstStyle>
           <a:p>
             <a:endParaRPr lang="de-DE"/>
           </a:p>
@@ -2412,13 +2711,7 @@
       </p:sp>
       <p:sp>
         <p:nvSpPr>
-          <p:cNvPr id="7" name="Foliennummernplatzhalter 6">
-            <a:extLst>
-              <a:ext uri="{FF2B5EF4-FFF2-40B4-BE49-F238E27FC236}">
-                <a16:creationId xmlns:a16="http://schemas.microsoft.com/office/drawing/2014/main" id="{BF59BD50-2DAB-16D7-4D91-ADA4A290F57B}"/>
-              </a:ext>
-            </a:extLst>
-          </p:cNvPr>
+          <p:cNvPr id="7" name="Slide Number Placeholder 6"/>
           <p:cNvSpPr>
             <a:spLocks noGrp="1"/>
           </p:cNvSpPr>
@@ -2426,10 +2719,23 @@
             <p:ph type="sldNum" sz="quarter" idx="12"/>
           </p:nvPr>
         </p:nvSpPr>
-        <p:spPr/>
-        <p:txBody>
-          <a:bodyPr/>
-          <a:lstStyle/>
+        <p:spPr>
+          <a:xfrm>
+            <a:off x="9883140" y="6453386"/>
+            <a:ext cx="1596292" cy="404614"/>
+          </a:xfrm>
+        </p:spPr>
+        <p:txBody>
+          <a:bodyPr/>
+          <a:lstStyle>
+            <a:lvl1pPr>
+              <a:defRPr>
+                <a:solidFill>
+                  <a:schemeClr val="tx2"/>
+                </a:solidFill>
+              </a:defRPr>
+            </a:lvl1pPr>
+          </a:lstStyle>
           <a:p>
             <a:fld id="{C98E1B35-FB86-4D9E-B6E3-6F7BC7FC2769}" type="slidenum">
               <a:rPr lang="de-DE" smtClean="0"/>
@@ -2439,10 +2745,48 @@
           </a:p>
         </p:txBody>
       </p:sp>
+      <p:sp>
+        <p:nvSpPr>
+          <p:cNvPr id="9" name="Rectangle 8" title="Divider Bar"/>
+          <p:cNvSpPr/>
+          <p:nvPr/>
+        </p:nvSpPr>
+        <p:spPr>
+          <a:xfrm>
+            <a:off x="5303520" y="376"/>
+            <a:ext cx="228600" cy="6858000"/>
+          </a:xfrm>
+          <a:prstGeom prst="rect">
+            <a:avLst/>
+          </a:prstGeom>
+          <a:solidFill>
+            <a:schemeClr val="tx2"/>
+          </a:solidFill>
+          <a:ln>
+            <a:noFill/>
+          </a:ln>
+        </p:spPr>
+        <p:style>
+          <a:lnRef idx="2">
+            <a:schemeClr val="accent1">
+              <a:shade val="50000"/>
+            </a:schemeClr>
+          </a:lnRef>
+          <a:fillRef idx="1">
+            <a:schemeClr val="accent1"/>
+          </a:fillRef>
+          <a:effectRef idx="0">
+            <a:schemeClr val="accent1"/>
+          </a:effectRef>
+          <a:fontRef idx="minor">
+            <a:schemeClr val="lt1"/>
+          </a:fontRef>
+        </p:style>
+      </p:sp>
     </p:spTree>
     <p:extLst>
       <p:ext uri="{BB962C8B-B14F-4D97-AF65-F5344CB8AC3E}">
-        <p14:creationId xmlns:p14="http://schemas.microsoft.com/office/powerpoint/2010/main" val="3892542612"/>
+        <p14:creationId xmlns:p14="http://schemas.microsoft.com/office/powerpoint/2010/main" val="2459490069"/>
       </p:ext>
     </p:extLst>
   </p:cSld>
@@ -2453,7 +2797,7 @@
 </file>
 
 <file path=ppt/slideLayouts/slideLayout9.xml><?xml version="1.0" encoding="utf-8"?>
-<p:sldLayout xmlns:a="http://schemas.openxmlformats.org/drawingml/2006/main" xmlns:r="http://schemas.openxmlformats.org/officeDocument/2006/relationships" xmlns:p="http://schemas.openxmlformats.org/presentationml/2006/main" type="picTx" preserve="1">
+<p:sldLayout xmlns:a="http://schemas.openxmlformats.org/drawingml/2006/main" xmlns:r="http://schemas.openxmlformats.org/officeDocument/2006/relationships" xmlns:p="http://schemas.openxmlformats.org/presentationml/2006/main" showMasterSp="0" type="picTx" preserve="1">
   <p:cSld name="Bild mit Überschrift">
     <p:spTree>
       <p:nvGrpSpPr>
@@ -2471,31 +2815,68 @@
       </p:grpSpPr>
       <p:sp>
         <p:nvSpPr>
-          <p:cNvPr id="2" name="Titel 1">
-            <a:extLst>
-              <a:ext uri="{FF2B5EF4-FFF2-40B4-BE49-F238E27FC236}">
-                <a16:creationId xmlns:a16="http://schemas.microsoft.com/office/drawing/2014/main" id="{47CF544E-13FC-074E-79FB-C314B4547931}"/>
-              </a:ext>
-            </a:extLst>
-          </p:cNvPr>
-          <p:cNvSpPr>
-            <a:spLocks noGrp="1"/>
-          </p:cNvSpPr>
-          <p:nvPr>
-            <p:ph type="title"/>
-          </p:nvPr>
+          <p:cNvPr id="8" name="Rectangle 7" title="Background Shape"/>
+          <p:cNvSpPr/>
+          <p:nvPr/>
         </p:nvSpPr>
         <p:spPr>
           <a:xfrm>
-            <a:off x="839788" y="457200"/>
-            <a:ext cx="3932237" cy="1600200"/>
+            <a:off x="0" y="376"/>
+            <a:ext cx="5303520" cy="6857624"/>
+          </a:xfrm>
+          <a:prstGeom prst="rect">
+            <a:avLst/>
+          </a:prstGeom>
+          <a:solidFill>
+            <a:schemeClr val="accent1"/>
+          </a:solidFill>
+          <a:ln>
+            <a:noFill/>
+          </a:ln>
+        </p:spPr>
+        <p:style>
+          <a:lnRef idx="2">
+            <a:schemeClr val="accent1">
+              <a:shade val="50000"/>
+            </a:schemeClr>
+          </a:lnRef>
+          <a:fillRef idx="1">
+            <a:schemeClr val="accent1"/>
+          </a:fillRef>
+          <a:effectRef idx="0">
+            <a:schemeClr val="accent1"/>
+          </a:effectRef>
+          <a:fontRef idx="minor">
+            <a:schemeClr val="lt1"/>
+          </a:fontRef>
+        </p:style>
+      </p:sp>
+      <p:sp>
+        <p:nvSpPr>
+          <p:cNvPr id="2" name="Title 1"/>
+          <p:cNvSpPr>
+            <a:spLocks noGrp="1"/>
+          </p:cNvSpPr>
+          <p:nvPr>
+            <p:ph type="title"/>
+          </p:nvPr>
+        </p:nvSpPr>
+        <p:spPr>
+          <a:xfrm>
+            <a:off x="723900" y="685800"/>
+            <a:ext cx="3855720" cy="2157884"/>
           </a:xfrm>
         </p:spPr>
         <p:txBody>
-          <a:bodyPr anchor="b"/>
+          <a:bodyPr anchor="t">
+            <a:normAutofit/>
+          </a:bodyPr>
           <a:lstStyle>
             <a:lvl1pPr>
-              <a:defRPr sz="3200"/>
+              <a:lnSpc>
+                <a:spcPct val="84000"/>
+              </a:lnSpc>
+              <a:defRPr sz="4800" baseline="0"/>
             </a:lvl1pPr>
           </a:lstStyle>
           <a:p>
@@ -2503,20 +2884,15 @@
               <a:rPr lang="de-DE"/>
               <a:t>Mastertitelformat bearbeiten</a:t>
             </a:r>
-          </a:p>
-        </p:txBody>
-      </p:sp>
-      <p:sp>
-        <p:nvSpPr>
-          <p:cNvPr id="3" name="Bildplatzhalter 2">
-            <a:extLst>
-              <a:ext uri="{FF2B5EF4-FFF2-40B4-BE49-F238E27FC236}">
-                <a16:creationId xmlns:a16="http://schemas.microsoft.com/office/drawing/2014/main" id="{4FACA219-6A2B-7288-43C6-4631C71EC0DD}"/>
-              </a:ext>
-            </a:extLst>
-          </p:cNvPr>
-          <p:cNvSpPr>
-            <a:spLocks noGrp="1"/>
+            <a:endParaRPr lang="en-US" dirty="0"/>
+          </a:p>
+        </p:txBody>
+      </p:sp>
+      <p:sp>
+        <p:nvSpPr>
+          <p:cNvPr id="3" name="Picture Placeholder 2"/>
+          <p:cNvSpPr>
+            <a:spLocks noGrp="1" noChangeAspect="1"/>
           </p:cNvSpPr>
           <p:nvPr>
             <p:ph type="pic" idx="1"/>
@@ -2524,24 +2900,26 @@
         </p:nvSpPr>
         <p:spPr>
           <a:xfrm>
-            <a:off x="5183188" y="987425"/>
-            <a:ext cx="6172200" cy="4873625"/>
+            <a:off x="5532120" y="0"/>
+            <a:ext cx="6659880" cy="6857999"/>
           </a:xfrm>
         </p:spPr>
         <p:txBody>
-          <a:bodyPr/>
+          <a:bodyPr anchor="t">
+            <a:normAutofit/>
+          </a:bodyPr>
           <a:lstStyle>
             <a:lvl1pPr marL="0" indent="0">
               <a:buNone/>
-              <a:defRPr sz="3200"/>
+              <a:defRPr sz="2000"/>
             </a:lvl1pPr>
             <a:lvl2pPr marL="457200" indent="0">
               <a:buNone/>
-              <a:defRPr sz="2800"/>
+              <a:defRPr sz="2000"/>
             </a:lvl2pPr>
             <a:lvl3pPr marL="914400" indent="0">
               <a:buNone/>
-              <a:defRPr sz="2400"/>
+              <a:defRPr sz="2000"/>
             </a:lvl3pPr>
             <a:lvl4pPr marL="1371600" indent="0">
               <a:buNone/>
@@ -2569,19 +2947,17 @@
             </a:lvl9pPr>
           </a:lstStyle>
           <a:p>
-            <a:endParaRPr lang="de-DE"/>
-          </a:p>
-        </p:txBody>
-      </p:sp>
-      <p:sp>
-        <p:nvSpPr>
-          <p:cNvPr id="4" name="Textplatzhalter 3">
-            <a:extLst>
-              <a:ext uri="{FF2B5EF4-FFF2-40B4-BE49-F238E27FC236}">
-                <a16:creationId xmlns:a16="http://schemas.microsoft.com/office/drawing/2014/main" id="{3B3ED00C-48DC-22F3-2D17-78CF5359F26D}"/>
-              </a:ext>
-            </a:extLst>
-          </p:cNvPr>
+            <a:r>
+              <a:rPr lang="de-DE"/>
+              <a:t>Bild durch Klicken auf Symbol hinzufügen</a:t>
+            </a:r>
+            <a:endParaRPr lang="en-US" dirty="0"/>
+          </a:p>
+        </p:txBody>
+      </p:sp>
+      <p:sp>
+        <p:nvSpPr>
+          <p:cNvPr id="4" name="Text Placeholder 3"/>
           <p:cNvSpPr>
             <a:spLocks noGrp="1"/>
           </p:cNvSpPr>
@@ -2591,14 +2967,23 @@
         </p:nvSpPr>
         <p:spPr>
           <a:xfrm>
-            <a:off x="839788" y="2057400"/>
-            <a:ext cx="3932237" cy="3811588"/>
+            <a:off x="723900" y="2855968"/>
+            <a:ext cx="3855720" cy="3011432"/>
           </a:xfrm>
         </p:spPr>
         <p:txBody>
           <a:bodyPr/>
           <a:lstStyle>
             <a:lvl1pPr marL="0" indent="0">
+              <a:lnSpc>
+                <a:spcPct val="113000"/>
+              </a:lnSpc>
+              <a:spcBef>
+                <a:spcPts val="0"/>
+              </a:spcBef>
+              <a:spcAft>
+                <a:spcPts val="1500"/>
+              </a:spcAft>
               <a:buNone/>
               <a:defRPr sz="1600"/>
             </a:lvl1pPr>
@@ -2646,13 +3031,7 @@
       </p:sp>
       <p:sp>
         <p:nvSpPr>
-          <p:cNvPr id="5" name="Datumsplatzhalter 4">
-            <a:extLst>
-              <a:ext uri="{FF2B5EF4-FFF2-40B4-BE49-F238E27FC236}">
-                <a16:creationId xmlns:a16="http://schemas.microsoft.com/office/drawing/2014/main" id="{668E3247-3690-DDE7-2A8B-987CB6081401}"/>
-              </a:ext>
-            </a:extLst>
-          </p:cNvPr>
+          <p:cNvPr id="5" name="Date Placeholder 4"/>
           <p:cNvSpPr>
             <a:spLocks noGrp="1"/>
           </p:cNvSpPr>
@@ -2660,10 +3039,23 @@
             <p:ph type="dt" sz="half" idx="10"/>
           </p:nvPr>
         </p:nvSpPr>
-        <p:spPr/>
-        <p:txBody>
-          <a:bodyPr/>
-          <a:lstStyle/>
+        <p:spPr>
+          <a:xfrm>
+            <a:off x="723900" y="6453386"/>
+            <a:ext cx="1204572" cy="404614"/>
+          </a:xfrm>
+        </p:spPr>
+        <p:txBody>
+          <a:bodyPr/>
+          <a:lstStyle>
+            <a:lvl1pPr>
+              <a:defRPr>
+                <a:solidFill>
+                  <a:schemeClr val="tx2"/>
+                </a:solidFill>
+              </a:defRPr>
+            </a:lvl1pPr>
+          </a:lstStyle>
           <a:p>
             <a:fld id="{B83EF4BD-29B0-48A0-BCD3-00D511BA08FD}" type="datetimeFigureOut">
               <a:rPr lang="de-DE" smtClean="0"/>
@@ -2675,13 +3067,7 @@
       </p:sp>
       <p:sp>
         <p:nvSpPr>
-          <p:cNvPr id="6" name="Fußzeilenplatzhalter 5">
-            <a:extLst>
-              <a:ext uri="{FF2B5EF4-FFF2-40B4-BE49-F238E27FC236}">
-                <a16:creationId xmlns:a16="http://schemas.microsoft.com/office/drawing/2014/main" id="{20F0DEFB-9A77-DD01-6D6C-0B56BC6D384E}"/>
-              </a:ext>
-            </a:extLst>
-          </p:cNvPr>
+          <p:cNvPr id="6" name="Footer Placeholder 5"/>
           <p:cNvSpPr>
             <a:spLocks noGrp="1"/>
           </p:cNvSpPr>
@@ -2689,10 +3075,23 @@
             <p:ph type="ftr" sz="quarter" idx="11"/>
           </p:nvPr>
         </p:nvSpPr>
-        <p:spPr/>
-        <p:txBody>
-          <a:bodyPr/>
-          <a:lstStyle/>
+        <p:spPr>
+          <a:xfrm>
+            <a:off x="2205945" y="6453386"/>
+            <a:ext cx="2373675" cy="404614"/>
+          </a:xfrm>
+        </p:spPr>
+        <p:txBody>
+          <a:bodyPr/>
+          <a:lstStyle>
+            <a:lvl1pPr>
+              <a:defRPr>
+                <a:solidFill>
+                  <a:schemeClr val="tx2"/>
+                </a:solidFill>
+              </a:defRPr>
+            </a:lvl1pPr>
+          </a:lstStyle>
           <a:p>
             <a:endParaRPr lang="de-DE"/>
           </a:p>
@@ -2700,13 +3099,7 @@
       </p:sp>
       <p:sp>
         <p:nvSpPr>
-          <p:cNvPr id="7" name="Foliennummernplatzhalter 6">
-            <a:extLst>
-              <a:ext uri="{FF2B5EF4-FFF2-40B4-BE49-F238E27FC236}">
-                <a16:creationId xmlns:a16="http://schemas.microsoft.com/office/drawing/2014/main" id="{0CFD58FF-C384-7DFB-EC6F-1322D10616FF}"/>
-              </a:ext>
-            </a:extLst>
-          </p:cNvPr>
+          <p:cNvPr id="7" name="Slide Number Placeholder 6"/>
           <p:cNvSpPr>
             <a:spLocks noGrp="1"/>
           </p:cNvSpPr>
@@ -2714,10 +3107,23 @@
             <p:ph type="sldNum" sz="quarter" idx="12"/>
           </p:nvPr>
         </p:nvSpPr>
-        <p:spPr/>
-        <p:txBody>
-          <a:bodyPr/>
-          <a:lstStyle/>
+        <p:spPr>
+          <a:xfrm>
+            <a:off x="9883140" y="6453386"/>
+            <a:ext cx="1596292" cy="404614"/>
+          </a:xfrm>
+        </p:spPr>
+        <p:txBody>
+          <a:bodyPr/>
+          <a:lstStyle>
+            <a:lvl1pPr>
+              <a:defRPr>
+                <a:solidFill>
+                  <a:schemeClr val="tx2"/>
+                </a:solidFill>
+              </a:defRPr>
+            </a:lvl1pPr>
+          </a:lstStyle>
           <a:p>
             <a:fld id="{C98E1B35-FB86-4D9E-B6E3-6F7BC7FC2769}" type="slidenum">
               <a:rPr lang="de-DE" smtClean="0"/>
@@ -2727,10 +3133,48 @@
           </a:p>
         </p:txBody>
       </p:sp>
+      <p:sp>
+        <p:nvSpPr>
+          <p:cNvPr id="9" name="Rectangle 8" title="Divider Bar"/>
+          <p:cNvSpPr/>
+          <p:nvPr/>
+        </p:nvSpPr>
+        <p:spPr>
+          <a:xfrm>
+            <a:off x="5303520" y="376"/>
+            <a:ext cx="228600" cy="6858000"/>
+          </a:xfrm>
+          <a:prstGeom prst="rect">
+            <a:avLst/>
+          </a:prstGeom>
+          <a:solidFill>
+            <a:schemeClr val="tx2"/>
+          </a:solidFill>
+          <a:ln>
+            <a:noFill/>
+          </a:ln>
+        </p:spPr>
+        <p:style>
+          <a:lnRef idx="2">
+            <a:schemeClr val="accent1">
+              <a:shade val="50000"/>
+            </a:schemeClr>
+          </a:lnRef>
+          <a:fillRef idx="1">
+            <a:schemeClr val="accent1"/>
+          </a:fillRef>
+          <a:effectRef idx="0">
+            <a:schemeClr val="accent1"/>
+          </a:effectRef>
+          <a:fontRef idx="minor">
+            <a:schemeClr val="lt1"/>
+          </a:fontRef>
+        </p:style>
+      </p:sp>
     </p:spTree>
     <p:extLst>
       <p:ext uri="{BB962C8B-B14F-4D97-AF65-F5344CB8AC3E}">
-        <p14:creationId xmlns:p14="http://schemas.microsoft.com/office/powerpoint/2010/main" val="1863815465"/>
+        <p14:creationId xmlns:p14="http://schemas.microsoft.com/office/powerpoint/2010/main" val="3408184651"/>
       </p:ext>
     </p:extLst>
   </p:cSld>
@@ -2744,9 +3188,12 @@
 <p:sldMaster xmlns:a="http://schemas.openxmlformats.org/drawingml/2006/main" xmlns:r="http://schemas.openxmlformats.org/officeDocument/2006/relationships" xmlns:p="http://schemas.openxmlformats.org/presentationml/2006/main">
   <p:cSld>
     <p:bg>
-      <p:bgRef idx="1001">
-        <a:schemeClr val="bg1"/>
-      </p:bgRef>
+      <p:bgPr>
+        <a:solidFill>
+          <a:schemeClr val="bg2"/>
+        </a:solidFill>
+        <a:effectLst/>
+      </p:bgPr>
     </p:bg>
     <p:spTree>
       <p:nvGrpSpPr>
@@ -2764,13 +3211,7 @@
       </p:grpSpPr>
       <p:sp>
         <p:nvSpPr>
-          <p:cNvPr id="2" name="Titelplatzhalter 1">
-            <a:extLst>
-              <a:ext uri="{FF2B5EF4-FFF2-40B4-BE49-F238E27FC236}">
-                <a16:creationId xmlns:a16="http://schemas.microsoft.com/office/drawing/2014/main" id="{E63819D1-4032-248F-91F6-7FF8F8073957}"/>
-              </a:ext>
-            </a:extLst>
-          </p:cNvPr>
+          <p:cNvPr id="2" name="Title Placeholder 1"/>
           <p:cNvSpPr>
             <a:spLocks noGrp="1"/>
           </p:cNvSpPr>
@@ -2780,15 +3221,15 @@
         </p:nvSpPr>
         <p:spPr>
           <a:xfrm>
-            <a:off x="838200" y="365125"/>
-            <a:ext cx="10515600" cy="1325563"/>
+            <a:off x="1371600" y="685800"/>
+            <a:ext cx="9601200" cy="1485900"/>
           </a:xfrm>
           <a:prstGeom prst="rect">
             <a:avLst/>
           </a:prstGeom>
         </p:spPr>
         <p:txBody>
-          <a:bodyPr vert="horz" lIns="91440" tIns="45720" rIns="91440" bIns="45720" rtlCol="0" anchor="ctr">
+          <a:bodyPr vert="horz" lIns="91440" tIns="45720" rIns="91440" bIns="45720" rtlCol="0" anchor="t">
             <a:normAutofit/>
           </a:bodyPr>
           <a:lstStyle/>
@@ -2797,18 +3238,13 @@
               <a:rPr lang="de-DE"/>
               <a:t>Mastertitelformat bearbeiten</a:t>
             </a:r>
-          </a:p>
-        </p:txBody>
-      </p:sp>
-      <p:sp>
-        <p:nvSpPr>
-          <p:cNvPr id="3" name="Textplatzhalter 2">
-            <a:extLst>
-              <a:ext uri="{FF2B5EF4-FFF2-40B4-BE49-F238E27FC236}">
-                <a16:creationId xmlns:a16="http://schemas.microsoft.com/office/drawing/2014/main" id="{838CE38D-2D83-7D40-63B8-4ACB1DD27404}"/>
-              </a:ext>
-            </a:extLst>
-          </p:cNvPr>
+            <a:endParaRPr lang="en-US" dirty="0"/>
+          </a:p>
+        </p:txBody>
+      </p:sp>
+      <p:sp>
+        <p:nvSpPr>
+          <p:cNvPr id="3" name="Text Placeholder 2"/>
           <p:cNvSpPr>
             <a:spLocks noGrp="1"/>
           </p:cNvSpPr>
@@ -2818,8 +3254,8 @@
         </p:nvSpPr>
         <p:spPr>
           <a:xfrm>
-            <a:off x="838200" y="1825625"/>
-            <a:ext cx="10515600" cy="4351338"/>
+            <a:off x="1371600" y="2286000"/>
+            <a:ext cx="9601200" cy="3581400"/>
           </a:xfrm>
           <a:prstGeom prst="rect">
             <a:avLst/>
@@ -2864,18 +3300,13 @@
               <a:rPr lang="de-DE"/>
               <a:t>Fünfte Ebene</a:t>
             </a:r>
-          </a:p>
-        </p:txBody>
-      </p:sp>
-      <p:sp>
-        <p:nvSpPr>
-          <p:cNvPr id="4" name="Datumsplatzhalter 3">
-            <a:extLst>
-              <a:ext uri="{FF2B5EF4-FFF2-40B4-BE49-F238E27FC236}">
-                <a16:creationId xmlns:a16="http://schemas.microsoft.com/office/drawing/2014/main" id="{92860C1F-C78F-7D5B-5B3A-F382FFFBD387}"/>
-              </a:ext>
-            </a:extLst>
-          </p:cNvPr>
+            <a:endParaRPr lang="en-US" dirty="0"/>
+          </a:p>
+        </p:txBody>
+      </p:sp>
+      <p:sp>
+        <p:nvSpPr>
+          <p:cNvPr id="4" name="Date Placeholder 3"/>
           <p:cNvSpPr>
             <a:spLocks noGrp="1"/>
           </p:cNvSpPr>
@@ -2885,8 +3316,8 @@
         </p:nvSpPr>
         <p:spPr>
           <a:xfrm>
-            <a:off x="838200" y="6356350"/>
-            <a:ext cx="2743200" cy="365125"/>
+            <a:off x="1390650" y="6453386"/>
+            <a:ext cx="1204572" cy="404614"/>
           </a:xfrm>
           <a:prstGeom prst="rect">
             <a:avLst/>
@@ -2896,11 +3327,9 @@
           <a:bodyPr vert="horz" lIns="91440" tIns="45720" rIns="91440" bIns="45720" rtlCol="0" anchor="ctr"/>
           <a:lstStyle>
             <a:lvl1pPr algn="l">
-              <a:defRPr sz="1200">
+              <a:defRPr sz="1200" baseline="0">
                 <a:solidFill>
-                  <a:schemeClr val="tx1">
-                    <a:tint val="82000"/>
-                  </a:schemeClr>
+                  <a:schemeClr val="tx2"/>
                 </a:solidFill>
               </a:defRPr>
             </a:lvl1pPr>
@@ -2916,13 +3345,7 @@
       </p:sp>
       <p:sp>
         <p:nvSpPr>
-          <p:cNvPr id="5" name="Fußzeilenplatzhalter 4">
-            <a:extLst>
-              <a:ext uri="{FF2B5EF4-FFF2-40B4-BE49-F238E27FC236}">
-                <a16:creationId xmlns:a16="http://schemas.microsoft.com/office/drawing/2014/main" id="{F8211619-AE09-FDAF-A11C-BC53DDB74EE8}"/>
-              </a:ext>
-            </a:extLst>
-          </p:cNvPr>
+          <p:cNvPr id="5" name="Footer Placeholder 4"/>
           <p:cNvSpPr>
             <a:spLocks noGrp="1"/>
           </p:cNvSpPr>
@@ -2932,8 +3355,8 @@
         </p:nvSpPr>
         <p:spPr>
           <a:xfrm>
-            <a:off x="4038600" y="6356350"/>
-            <a:ext cx="4114800" cy="365125"/>
+            <a:off x="2893564" y="6453386"/>
+            <a:ext cx="6280830" cy="404614"/>
           </a:xfrm>
           <a:prstGeom prst="rect">
             <a:avLst/>
@@ -2942,12 +3365,10 @@
         <p:txBody>
           <a:bodyPr vert="horz" lIns="91440" tIns="45720" rIns="91440" bIns="45720" rtlCol="0" anchor="ctr"/>
           <a:lstStyle>
-            <a:lvl1pPr algn="ctr">
-              <a:defRPr sz="1200">
+            <a:lvl1pPr algn="l">
+              <a:defRPr sz="1200" baseline="0">
                 <a:solidFill>
-                  <a:schemeClr val="tx1">
-                    <a:tint val="82000"/>
-                  </a:schemeClr>
+                  <a:schemeClr val="tx2"/>
                 </a:solidFill>
               </a:defRPr>
             </a:lvl1pPr>
@@ -2959,13 +3380,7 @@
       </p:sp>
       <p:sp>
         <p:nvSpPr>
-          <p:cNvPr id="6" name="Foliennummernplatzhalter 5">
-            <a:extLst>
-              <a:ext uri="{FF2B5EF4-FFF2-40B4-BE49-F238E27FC236}">
-                <a16:creationId xmlns:a16="http://schemas.microsoft.com/office/drawing/2014/main" id="{16ECF526-C600-5B3A-2BA7-4E0044521229}"/>
-              </a:ext>
-            </a:extLst>
-          </p:cNvPr>
+          <p:cNvPr id="6" name="Slide Number Placeholder 5"/>
           <p:cNvSpPr>
             <a:spLocks noGrp="1"/>
           </p:cNvSpPr>
@@ -2975,8 +3390,8 @@
         </p:nvSpPr>
         <p:spPr>
           <a:xfrm>
-            <a:off x="8610600" y="6356350"/>
-            <a:ext cx="2743200" cy="365125"/>
+            <a:off x="9472736" y="6453386"/>
+            <a:ext cx="1596292" cy="404614"/>
           </a:xfrm>
           <a:prstGeom prst="rect">
             <a:avLst/>
@@ -2986,11 +3401,9 @@
           <a:bodyPr vert="horz" lIns="91440" tIns="45720" rIns="91440" bIns="45720" rtlCol="0" anchor="ctr"/>
           <a:lstStyle>
             <a:lvl1pPr algn="r">
-              <a:defRPr sz="1200">
+              <a:defRPr sz="1200" baseline="0">
                 <a:solidFill>
-                  <a:schemeClr val="tx1">
-                    <a:tint val="82000"/>
-                  </a:schemeClr>
+                  <a:schemeClr val="tx2"/>
                 </a:solidFill>
               </a:defRPr>
             </a:lvl1pPr>
@@ -3004,40 +3417,78 @@
           </a:p>
         </p:txBody>
       </p:sp>
+      <p:sp>
+        <p:nvSpPr>
+          <p:cNvPr id="9" name="Rectangle 8" title="Side bar"/>
+          <p:cNvSpPr/>
+          <p:nvPr/>
+        </p:nvSpPr>
+        <p:spPr>
+          <a:xfrm>
+            <a:off x="478095" y="376"/>
+            <a:ext cx="228600" cy="6858000"/>
+          </a:xfrm>
+          <a:prstGeom prst="rect">
+            <a:avLst/>
+          </a:prstGeom>
+          <a:solidFill>
+            <a:schemeClr val="tx2"/>
+          </a:solidFill>
+          <a:ln>
+            <a:noFill/>
+          </a:ln>
+        </p:spPr>
+        <p:style>
+          <a:lnRef idx="2">
+            <a:schemeClr val="accent1">
+              <a:shade val="50000"/>
+            </a:schemeClr>
+          </a:lnRef>
+          <a:fillRef idx="1">
+            <a:schemeClr val="accent1"/>
+          </a:fillRef>
+          <a:effectRef idx="0">
+            <a:schemeClr val="accent1"/>
+          </a:effectRef>
+          <a:fontRef idx="minor">
+            <a:schemeClr val="lt1"/>
+          </a:fontRef>
+        </p:style>
+      </p:sp>
     </p:spTree>
     <p:extLst>
       <p:ext uri="{BB962C8B-B14F-4D97-AF65-F5344CB8AC3E}">
-        <p14:creationId xmlns:p14="http://schemas.microsoft.com/office/powerpoint/2010/main" val="2533953844"/>
+        <p14:creationId xmlns:p14="http://schemas.microsoft.com/office/powerpoint/2010/main" val="593629166"/>
       </p:ext>
     </p:extLst>
   </p:cSld>
   <p:clrMap bg1="lt1" tx1="dk1" bg2="lt2" tx2="dk2" accent1="accent1" accent2="accent2" accent3="accent3" accent4="accent4" accent5="accent5" accent6="accent6" hlink="hlink" folHlink="folHlink"/>
   <p:sldLayoutIdLst>
-    <p:sldLayoutId id="2147483649" r:id="rId1"/>
-    <p:sldLayoutId id="2147483650" r:id="rId2"/>
-    <p:sldLayoutId id="2147483651" r:id="rId3"/>
-    <p:sldLayoutId id="2147483652" r:id="rId4"/>
-    <p:sldLayoutId id="2147483653" r:id="rId5"/>
-    <p:sldLayoutId id="2147483654" r:id="rId6"/>
-    <p:sldLayoutId id="2147483655" r:id="rId7"/>
-    <p:sldLayoutId id="2147483656" r:id="rId8"/>
-    <p:sldLayoutId id="2147483657" r:id="rId9"/>
-    <p:sldLayoutId id="2147483658" r:id="rId10"/>
-    <p:sldLayoutId id="2147483659" r:id="rId11"/>
+    <p:sldLayoutId id="2147483661" r:id="rId1"/>
+    <p:sldLayoutId id="2147483662" r:id="rId2"/>
+    <p:sldLayoutId id="2147483663" r:id="rId3"/>
+    <p:sldLayoutId id="2147483664" r:id="rId4"/>
+    <p:sldLayoutId id="2147483665" r:id="rId5"/>
+    <p:sldLayoutId id="2147483666" r:id="rId6"/>
+    <p:sldLayoutId id="2147483667" r:id="rId7"/>
+    <p:sldLayoutId id="2147483668" r:id="rId8"/>
+    <p:sldLayoutId id="2147483669" r:id="rId9"/>
+    <p:sldLayoutId id="2147483670" r:id="rId10"/>
+    <p:sldLayoutId id="2147483671" r:id="rId11"/>
   </p:sldLayoutIdLst>
   <p:txStyles>
     <p:titleStyle>
       <a:lvl1pPr algn="l" defTabSz="914400" rtl="0" eaLnBrk="1" latinLnBrk="0" hangingPunct="1">
         <a:lnSpc>
-          <a:spcPct val="90000"/>
+          <a:spcPct val="89000"/>
         </a:lnSpc>
         <a:spcBef>
           <a:spcPct val="0"/>
         </a:spcBef>
         <a:buNone/>
-        <a:defRPr sz="4400" kern="1200">
+        <a:defRPr sz="4400" kern="1200" baseline="0">
           <a:solidFill>
-            <a:schemeClr val="tx1"/>
+            <a:schemeClr val="tx2"/>
           </a:solidFill>
           <a:latin typeface="+mj-lt"/>
           <a:ea typeface="+mj-ea"/>
@@ -3046,162 +3497,189 @@
       </a:lvl1pPr>
     </p:titleStyle>
     <p:bodyStyle>
-      <a:lvl1pPr marL="228600" indent="-228600" algn="l" defTabSz="914400" rtl="0" eaLnBrk="1" latinLnBrk="0" hangingPunct="1">
+      <a:lvl1pPr marL="384048" indent="-384048" algn="l" defTabSz="914400" rtl="0" eaLnBrk="1" latinLnBrk="0" hangingPunct="1">
         <a:lnSpc>
-          <a:spcPct val="90000"/>
+          <a:spcPct val="94000"/>
         </a:lnSpc>
         <a:spcBef>
           <a:spcPts val="1000"/>
         </a:spcBef>
-        <a:buFont typeface="Arial" panose="020B0604020202020204" pitchFamily="34" charset="0"/>
-        <a:buChar char="•"/>
-        <a:defRPr sz="2800" kern="1200">
+        <a:spcAft>
+          <a:spcPts val="200"/>
+        </a:spcAft>
+        <a:buFont typeface="Franklin Gothic Book" panose="020B0503020102020204" pitchFamily="34" charset="0"/>
+        <a:buChar char="■"/>
+        <a:defRPr sz="2000" kern="1200" baseline="0">
           <a:solidFill>
-            <a:schemeClr val="tx1"/>
+            <a:schemeClr val="tx2"/>
           </a:solidFill>
           <a:latin typeface="+mn-lt"/>
           <a:ea typeface="+mn-ea"/>
           <a:cs typeface="+mn-cs"/>
         </a:defRPr>
       </a:lvl1pPr>
-      <a:lvl2pPr marL="685800" indent="-228600" algn="l" defTabSz="914400" rtl="0" eaLnBrk="1" latinLnBrk="0" hangingPunct="1">
+      <a:lvl2pPr marL="914400" indent="-384048" algn="l" defTabSz="914400" rtl="0" eaLnBrk="1" latinLnBrk="0" hangingPunct="1">
         <a:lnSpc>
-          <a:spcPct val="90000"/>
+          <a:spcPct val="94000"/>
         </a:lnSpc>
         <a:spcBef>
           <a:spcPts val="500"/>
         </a:spcBef>
-        <a:buFont typeface="Arial" panose="020B0604020202020204" pitchFamily="34" charset="0"/>
-        <a:buChar char="•"/>
-        <a:defRPr sz="2400" kern="1200">
+        <a:spcAft>
+          <a:spcPts val="200"/>
+        </a:spcAft>
+        <a:buFont typeface="Franklin Gothic Book" panose="020B0503020102020204" pitchFamily="34" charset="0"/>
+        <a:buChar char="–"/>
+        <a:defRPr sz="2000" i="1" kern="1200" baseline="0">
           <a:solidFill>
-            <a:schemeClr val="tx1"/>
+            <a:schemeClr val="tx2"/>
           </a:solidFill>
           <a:latin typeface="+mn-lt"/>
           <a:ea typeface="+mn-ea"/>
           <a:cs typeface="+mn-cs"/>
         </a:defRPr>
       </a:lvl2pPr>
-      <a:lvl3pPr marL="1143000" indent="-228600" algn="l" defTabSz="914400" rtl="0" eaLnBrk="1" latinLnBrk="0" hangingPunct="1">
+      <a:lvl3pPr marL="1371600" indent="-384048" algn="l" defTabSz="914400" rtl="0" eaLnBrk="1" latinLnBrk="0" hangingPunct="1">
         <a:lnSpc>
-          <a:spcPct val="90000"/>
+          <a:spcPct val="94000"/>
         </a:lnSpc>
         <a:spcBef>
           <a:spcPts val="500"/>
         </a:spcBef>
-        <a:buFont typeface="Arial" panose="020B0604020202020204" pitchFamily="34" charset="0"/>
-        <a:buChar char="•"/>
-        <a:defRPr sz="2000" kern="1200">
+        <a:spcAft>
+          <a:spcPts val="200"/>
+        </a:spcAft>
+        <a:buFont typeface="Franklin Gothic Book" panose="020B0503020102020204" pitchFamily="34" charset="0"/>
+        <a:buChar char="■"/>
+        <a:defRPr sz="1800" kern="1200" baseline="0">
           <a:solidFill>
-            <a:schemeClr val="tx1"/>
+            <a:schemeClr val="tx2"/>
           </a:solidFill>
           <a:latin typeface="+mn-lt"/>
           <a:ea typeface="+mn-ea"/>
           <a:cs typeface="+mn-cs"/>
         </a:defRPr>
       </a:lvl3pPr>
-      <a:lvl4pPr marL="1600200" indent="-228600" algn="l" defTabSz="914400" rtl="0" eaLnBrk="1" latinLnBrk="0" hangingPunct="1">
+      <a:lvl4pPr marL="1828800" indent="-384048" algn="l" defTabSz="914400" rtl="0" eaLnBrk="1" latinLnBrk="0" hangingPunct="1">
         <a:lnSpc>
-          <a:spcPct val="90000"/>
+          <a:spcPct val="94000"/>
         </a:lnSpc>
         <a:spcBef>
           <a:spcPts val="500"/>
         </a:spcBef>
-        <a:buFont typeface="Arial" panose="020B0604020202020204" pitchFamily="34" charset="0"/>
-        <a:buChar char="•"/>
-        <a:defRPr sz="1800" kern="1200">
+        <a:spcAft>
+          <a:spcPts val="200"/>
+        </a:spcAft>
+        <a:buFont typeface="Franklin Gothic Book" panose="020B0503020102020204" pitchFamily="34" charset="0"/>
+        <a:buChar char="–"/>
+        <a:defRPr sz="1800" i="1" kern="1200" baseline="0">
           <a:solidFill>
-            <a:schemeClr val="tx1"/>
+            <a:schemeClr val="tx2"/>
           </a:solidFill>
           <a:latin typeface="+mn-lt"/>
           <a:ea typeface="+mn-ea"/>
           <a:cs typeface="+mn-cs"/>
         </a:defRPr>
       </a:lvl4pPr>
-      <a:lvl5pPr marL="2057400" indent="-228600" algn="l" defTabSz="914400" rtl="0" eaLnBrk="1" latinLnBrk="0" hangingPunct="1">
+      <a:lvl5pPr marL="2286000" indent="-384048" algn="l" defTabSz="914400" rtl="0" eaLnBrk="1" latinLnBrk="0" hangingPunct="1">
         <a:lnSpc>
-          <a:spcPct val="90000"/>
+          <a:spcPct val="94000"/>
         </a:lnSpc>
         <a:spcBef>
           <a:spcPts val="500"/>
         </a:spcBef>
-        <a:buFont typeface="Arial" panose="020B0604020202020204" pitchFamily="34" charset="0"/>
-        <a:buChar char="•"/>
-        <a:defRPr sz="1800" kern="1200">
+        <a:spcAft>
+          <a:spcPts val="200"/>
+        </a:spcAft>
+        <a:buFont typeface="Franklin Gothic Book" panose="020B0503020102020204" pitchFamily="34" charset="0"/>
+        <a:buChar char="■"/>
+        <a:defRPr sz="1600" kern="1200" baseline="0">
           <a:solidFill>
-            <a:schemeClr val="tx1"/>
+            <a:schemeClr val="tx2"/>
           </a:solidFill>
           <a:latin typeface="+mn-lt"/>
           <a:ea typeface="+mn-ea"/>
           <a:cs typeface="+mn-cs"/>
         </a:defRPr>
       </a:lvl5pPr>
-      <a:lvl6pPr marL="2514600" indent="-228600" algn="l" defTabSz="914400" rtl="0" eaLnBrk="1" latinLnBrk="0" hangingPunct="1">
+      <a:lvl6pPr marL="2743200" indent="-384048" algn="l" defTabSz="914400" rtl="0" eaLnBrk="1" latinLnBrk="0" hangingPunct="1">
         <a:lnSpc>
-          <a:spcPct val="90000"/>
+          <a:spcPct val="94000"/>
         </a:lnSpc>
         <a:spcBef>
           <a:spcPts val="500"/>
         </a:spcBef>
-        <a:buFont typeface="Arial" panose="020B0604020202020204" pitchFamily="34" charset="0"/>
-        <a:buChar char="•"/>
-        <a:defRPr sz="1800" kern="1200">
+        <a:spcAft>
+          <a:spcPts val="200"/>
+        </a:spcAft>
+        <a:buFont typeface="Franklin Gothic Book" panose="020B0503020102020204" pitchFamily="34" charset="0"/>
+        <a:buChar char="–"/>
+        <a:defRPr sz="1600" i="1" kern="1200" baseline="0">
           <a:solidFill>
-            <a:schemeClr val="tx1"/>
+            <a:schemeClr val="tx2"/>
           </a:solidFill>
           <a:latin typeface="+mn-lt"/>
           <a:ea typeface="+mn-ea"/>
           <a:cs typeface="+mn-cs"/>
         </a:defRPr>
       </a:lvl6pPr>
-      <a:lvl7pPr marL="2971800" indent="-228600" algn="l" defTabSz="914400" rtl="0" eaLnBrk="1" latinLnBrk="0" hangingPunct="1">
+      <a:lvl7pPr marL="3200400" indent="-384048" algn="l" defTabSz="914400" rtl="0" eaLnBrk="1" latinLnBrk="0" hangingPunct="1">
         <a:lnSpc>
-          <a:spcPct val="90000"/>
+          <a:spcPct val="94000"/>
         </a:lnSpc>
         <a:spcBef>
           <a:spcPts val="500"/>
         </a:spcBef>
-        <a:buFont typeface="Arial" panose="020B0604020202020204" pitchFamily="34" charset="0"/>
-        <a:buChar char="•"/>
-        <a:defRPr sz="1800" kern="1200">
+        <a:spcAft>
+          <a:spcPts val="200"/>
+        </a:spcAft>
+        <a:buFont typeface="Franklin Gothic Book" panose="020B0503020102020204" pitchFamily="34" charset="0"/>
+        <a:buChar char="■"/>
+        <a:defRPr sz="1400" kern="1200" baseline="0">
           <a:solidFill>
-            <a:schemeClr val="tx1"/>
+            <a:schemeClr val="tx2"/>
           </a:solidFill>
           <a:latin typeface="+mn-lt"/>
           <a:ea typeface="+mn-ea"/>
           <a:cs typeface="+mn-cs"/>
         </a:defRPr>
       </a:lvl7pPr>
-      <a:lvl8pPr marL="3429000" indent="-228600" algn="l" defTabSz="914400" rtl="0" eaLnBrk="1" latinLnBrk="0" hangingPunct="1">
+      <a:lvl8pPr marL="3657600" indent="-384048" algn="l" defTabSz="914400" rtl="0" eaLnBrk="1" latinLnBrk="0" hangingPunct="1">
         <a:lnSpc>
-          <a:spcPct val="90000"/>
+          <a:spcPct val="94000"/>
         </a:lnSpc>
         <a:spcBef>
           <a:spcPts val="500"/>
         </a:spcBef>
-        <a:buFont typeface="Arial" panose="020B0604020202020204" pitchFamily="34" charset="0"/>
-        <a:buChar char="•"/>
-        <a:defRPr sz="1800" kern="1200">
+        <a:spcAft>
+          <a:spcPts val="200"/>
+        </a:spcAft>
+        <a:buFont typeface="Franklin Gothic Book" panose="020B0503020102020204" pitchFamily="34" charset="0"/>
+        <a:buChar char="–"/>
+        <a:defRPr sz="1400" i="1" kern="1200" baseline="0">
           <a:solidFill>
-            <a:schemeClr val="tx1"/>
+            <a:schemeClr val="tx2"/>
           </a:solidFill>
           <a:latin typeface="+mn-lt"/>
           <a:ea typeface="+mn-ea"/>
           <a:cs typeface="+mn-cs"/>
         </a:defRPr>
       </a:lvl8pPr>
-      <a:lvl9pPr marL="3886200" indent="-228600" algn="l" defTabSz="914400" rtl="0" eaLnBrk="1" latinLnBrk="0" hangingPunct="1">
+      <a:lvl9pPr marL="4114800" indent="-384048" algn="l" defTabSz="914400" rtl="0" eaLnBrk="1" latinLnBrk="0" hangingPunct="1">
         <a:lnSpc>
-          <a:spcPct val="90000"/>
+          <a:spcPct val="94000"/>
         </a:lnSpc>
         <a:spcBef>
           <a:spcPts val="500"/>
         </a:spcBef>
-        <a:buFont typeface="Arial" panose="020B0604020202020204" pitchFamily="34" charset="0"/>
-        <a:buChar char="•"/>
-        <a:defRPr sz="1800" kern="1200">
+        <a:spcAft>
+          <a:spcPts val="200"/>
+        </a:spcAft>
+        <a:buFont typeface="Franklin Gothic Book" panose="020B0503020102020204" pitchFamily="34" charset="0"/>
+        <a:buChar char="■"/>
+        <a:defRPr sz="1400" kern="1200" baseline="0">
           <a:solidFill>
-            <a:schemeClr val="tx1"/>
+            <a:schemeClr val="tx2"/>
           </a:solidFill>
           <a:latin typeface="+mn-lt"/>
           <a:ea typeface="+mn-ea"/>
@@ -3211,7 +3689,7 @@
     </p:bodyStyle>
     <p:otherStyle>
       <a:defPPr>
-        <a:defRPr lang="de-DE"/>
+        <a:defRPr lang="en-US"/>
       </a:defPPr>
       <a:lvl1pPr marL="0" algn="l" defTabSz="914400" rtl="0" eaLnBrk="1" latinLnBrk="0" hangingPunct="1">
         <a:defRPr sz="1800" kern="1200">
@@ -3305,6 +3783,52 @@
       </a:lvl9pPr>
     </p:otherStyle>
   </p:txStyles>
+  <p:extLst>
+    <p:ext uri="{27BBF7A9-308A-43DC-89C8-2F10F3537804}">
+      <p15:sldGuideLst xmlns:p15="http://schemas.microsoft.com/office/powerpoint/2012/main">
+        <p15:guide id="3" orient="horz" pos="1368">
+          <p15:clr>
+            <a:srgbClr val="F26B43"/>
+          </p15:clr>
+        </p15:guide>
+        <p15:guide id="4" orient="horz" pos="1440">
+          <p15:clr>
+            <a:srgbClr val="F26B43"/>
+          </p15:clr>
+        </p15:guide>
+        <p15:guide id="6" orient="horz" pos="3696">
+          <p15:clr>
+            <a:srgbClr val="F26B43"/>
+          </p15:clr>
+        </p15:guide>
+        <p15:guide id="7" orient="horz" pos="432">
+          <p15:clr>
+            <a:srgbClr val="F26B43"/>
+          </p15:clr>
+        </p15:guide>
+        <p15:guide id="8" orient="horz" pos="1512">
+          <p15:clr>
+            <a:srgbClr val="F26B43"/>
+          </p15:clr>
+        </p15:guide>
+        <p15:guide id="9" pos="6912">
+          <p15:clr>
+            <a:srgbClr val="F26B43"/>
+          </p15:clr>
+        </p15:guide>
+        <p15:guide id="10" pos="936">
+          <p15:clr>
+            <a:srgbClr val="F26B43"/>
+          </p15:clr>
+        </p15:guide>
+        <p15:guide id="11" pos="864">
+          <p15:clr>
+            <a:srgbClr val="F26B43"/>
+          </p15:clr>
+        </p15:guide>
+      </p15:sldGuideLst>
+    </p:ext>
+  </p:extLst>
 </p:sldMaster>
 </file>
 
@@ -3438,9 +3962,10 @@
           <a:lstStyle/>
           <a:p>
             <a:r>
-              <a:rPr lang="de-DE" dirty="0"/>
-              <a:t>Generator</a:t>
-            </a:r>
+              <a:rPr lang="de-DE" dirty="0" err="1"/>
+              <a:t>Astro</a:t>
+            </a:r>
+            <a:endParaRPr lang="de-DE" dirty="0"/>
           </a:p>
         </p:txBody>
       </p:sp>
@@ -3466,10 +3991,9 @@
           <a:lstStyle/>
           <a:p>
             <a:r>
-              <a:rPr lang="de-DE" dirty="0" err="1"/>
-              <a:t>Astro</a:t>
-            </a:r>
-            <a:endParaRPr lang="de-DE" dirty="0"/>
+              <a:rPr lang="de-DE" dirty="0"/>
+              <a:t>Static Site Generator</a:t>
+            </a:r>
           </a:p>
           <a:p>
             <a:endParaRPr lang="de-DE" dirty="0"/>
@@ -3521,7 +4045,7 @@
           <p:cNvPr id="2" name="Titel 1">
             <a:extLst>
               <a:ext uri="{FF2B5EF4-FFF2-40B4-BE49-F238E27FC236}">
-                <a16:creationId xmlns:a16="http://schemas.microsoft.com/office/drawing/2014/main" id="{B5F4CD95-81DC-1FFA-0C4C-547B65D93C31}"/>
+                <a16:creationId xmlns:a16="http://schemas.microsoft.com/office/drawing/2014/main" id="{9F79B5F2-B532-4131-FCD5-45EE7270BE46}"/>
               </a:ext>
             </a:extLst>
           </p:cNvPr>
@@ -3539,7 +4063,7 @@
           <a:p>
             <a:r>
               <a:rPr lang="de-DE" dirty="0"/>
-              <a:t>Veröffentlichung</a:t>
+              <a:t>Vorteile</a:t>
             </a:r>
           </a:p>
         </p:txBody>
@@ -3549,7 +4073,7 @@
           <p:cNvPr id="3" name="Inhaltsplatzhalter 2">
             <a:extLst>
               <a:ext uri="{FF2B5EF4-FFF2-40B4-BE49-F238E27FC236}">
-                <a16:creationId xmlns:a16="http://schemas.microsoft.com/office/drawing/2014/main" id="{B76ECEB7-19F4-89AD-9697-0380AB206740}"/>
+                <a16:creationId xmlns:a16="http://schemas.microsoft.com/office/drawing/2014/main" id="{3DA3A074-BBEF-4B4F-AF81-E20A170A61C1}"/>
               </a:ext>
             </a:extLst>
           </p:cNvPr>
@@ -3567,22 +4091,39 @@
           <a:p>
             <a:r>
               <a:rPr lang="de-DE" dirty="0"/>
-              <a:t>GitHub Actions</a:t>
-            </a:r>
-          </a:p>
-          <a:p>
-            <a:endParaRPr lang="de-DE" dirty="0"/>
-          </a:p>
-          <a:p>
-            <a:r>
-              <a:rPr lang="de-DE" dirty="0">
-                <a:hlinkClick r:id="rId2"/>
-              </a:rPr>
-              <a:t>https://daveyq.github.io/portfolio</a:t>
-            </a:r>
+              <a:t>reines HTML (kein JS!)</a:t>
+            </a:r>
+          </a:p>
+          <a:p>
             <a:r>
               <a:rPr lang="de-DE" dirty="0"/>
-              <a:t> </a:t>
+              <a:t>JS nur für Interaktive Komponenten</a:t>
+            </a:r>
+          </a:p>
+          <a:p>
+            <a:r>
+              <a:rPr lang="de-DE" dirty="0"/>
+              <a:t>Unterstützung von Web-Frameworks</a:t>
+            </a:r>
+          </a:p>
+          <a:p>
+            <a:r>
+              <a:rPr lang="de-DE" dirty="0"/>
+              <a:t>Ideal für </a:t>
+            </a:r>
+            <a:r>
+              <a:rPr lang="de-DE" dirty="0" err="1"/>
+              <a:t>Contentlastige</a:t>
+            </a:r>
+            <a:r>
+              <a:rPr lang="de-DE" dirty="0"/>
+              <a:t> Websites</a:t>
+            </a:r>
+          </a:p>
+          <a:p>
+            <a:r>
+              <a:rPr lang="de-DE" dirty="0"/>
+              <a:t>Ideal für SEO</a:t>
             </a:r>
           </a:p>
         </p:txBody>
@@ -3590,7 +4131,7 @@
     </p:spTree>
     <p:extLst>
       <p:ext uri="{BB962C8B-B14F-4D97-AF65-F5344CB8AC3E}">
-        <p14:creationId xmlns:p14="http://schemas.microsoft.com/office/powerpoint/2010/main" val="296907148"/>
+        <p14:creationId xmlns:p14="http://schemas.microsoft.com/office/powerpoint/2010/main" val="1478149136"/>
       </p:ext>
     </p:extLst>
   </p:cSld>
@@ -3622,7 +4163,7 @@
           <p:cNvPr id="2" name="Titel 1">
             <a:extLst>
               <a:ext uri="{FF2B5EF4-FFF2-40B4-BE49-F238E27FC236}">
-                <a16:creationId xmlns:a16="http://schemas.microsoft.com/office/drawing/2014/main" id="{1230F5AF-486F-A7A2-67AA-8168AF9D2B9E}"/>
+                <a16:creationId xmlns:a16="http://schemas.microsoft.com/office/drawing/2014/main" id="{C575CBB4-EF76-2E6A-BEDB-48AC929A0842}"/>
               </a:ext>
             </a:extLst>
           </p:cNvPr>
@@ -3640,7 +4181,7 @@
           <a:p>
             <a:r>
               <a:rPr lang="de-DE" dirty="0"/>
-              <a:t>Intuition</a:t>
+              <a:t>Nachteile</a:t>
             </a:r>
           </a:p>
         </p:txBody>
@@ -3650,7 +4191,7 @@
           <p:cNvPr id="3" name="Inhaltsplatzhalter 2">
             <a:extLst>
               <a:ext uri="{FF2B5EF4-FFF2-40B4-BE49-F238E27FC236}">
-                <a16:creationId xmlns:a16="http://schemas.microsoft.com/office/drawing/2014/main" id="{81FD9CA8-A2C5-A328-B50E-61BBDE32CF1B}"/>
+                <a16:creationId xmlns:a16="http://schemas.microsoft.com/office/drawing/2014/main" id="{EF1B085B-5690-111E-5999-D73258FB0E9E}"/>
               </a:ext>
             </a:extLst>
           </p:cNvPr>
@@ -3668,21 +4209,31 @@
           <a:p>
             <a:r>
               <a:rPr lang="de-DE" dirty="0"/>
-              <a:t>Leichte Anwendung</a:t>
-            </a:r>
-          </a:p>
-          <a:p>
-            <a:endParaRPr lang="de-DE" dirty="0"/>
-          </a:p>
-          <a:p>
-            <a:endParaRPr lang="de-DE" dirty="0"/>
+              <a:t>Junge Technologie (2022)</a:t>
+            </a:r>
+          </a:p>
+          <a:p>
+            <a:r>
+              <a:rPr lang="de-DE" dirty="0" err="1"/>
+              <a:t>Build</a:t>
+            </a:r>
+            <a:r>
+              <a:rPr lang="de-DE" dirty="0"/>
+              <a:t>-Zeit</a:t>
+            </a:r>
+          </a:p>
+          <a:p>
+            <a:r>
+              <a:rPr lang="de-DE" dirty="0"/>
+              <a:t>Beschränkte Plugin-Verfügbarkeit</a:t>
+            </a:r>
           </a:p>
         </p:txBody>
       </p:sp>
     </p:spTree>
     <p:extLst>
       <p:ext uri="{BB962C8B-B14F-4D97-AF65-F5344CB8AC3E}">
-        <p14:creationId xmlns:p14="http://schemas.microsoft.com/office/powerpoint/2010/main" val="2650982824"/>
+        <p14:creationId xmlns:p14="http://schemas.microsoft.com/office/powerpoint/2010/main" val="2906437178"/>
       </p:ext>
     </p:extLst>
   </p:cSld>
@@ -3714,6 +4265,452 @@
           <p:cNvPr id="2" name="Titel 1">
             <a:extLst>
               <a:ext uri="{FF2B5EF4-FFF2-40B4-BE49-F238E27FC236}">
+                <a16:creationId xmlns:a16="http://schemas.microsoft.com/office/drawing/2014/main" id="{4AEF729E-DEEA-6D10-FE28-F1E48CAC3082}"/>
+              </a:ext>
+            </a:extLst>
+          </p:cNvPr>
+          <p:cNvSpPr>
+            <a:spLocks noGrp="1"/>
+          </p:cNvSpPr>
+          <p:nvPr>
+            <p:ph type="title"/>
+          </p:nvPr>
+        </p:nvSpPr>
+        <p:spPr/>
+        <p:txBody>
+          <a:bodyPr/>
+          <a:lstStyle/>
+          <a:p>
+            <a:r>
+              <a:rPr lang="de-DE" dirty="0"/>
+              <a:t>Inhalte hinzufügen</a:t>
+            </a:r>
+          </a:p>
+        </p:txBody>
+      </p:sp>
+      <p:sp>
+        <p:nvSpPr>
+          <p:cNvPr id="3" name="Inhaltsplatzhalter 2">
+            <a:extLst>
+              <a:ext uri="{FF2B5EF4-FFF2-40B4-BE49-F238E27FC236}">
+                <a16:creationId xmlns:a16="http://schemas.microsoft.com/office/drawing/2014/main" id="{D016650F-E5BD-4B61-8F32-E524F515FC05}"/>
+              </a:ext>
+            </a:extLst>
+          </p:cNvPr>
+          <p:cNvSpPr>
+            <a:spLocks noGrp="1"/>
+          </p:cNvSpPr>
+          <p:nvPr>
+            <p:ph idx="1"/>
+          </p:nvPr>
+        </p:nvSpPr>
+        <p:spPr/>
+        <p:txBody>
+          <a:bodyPr/>
+          <a:lstStyle/>
+          <a:p>
+            <a:r>
+              <a:rPr lang="de-DE" dirty="0"/>
+              <a:t>/</a:t>
+            </a:r>
+            <a:r>
+              <a:rPr lang="de-DE" dirty="0" err="1"/>
+              <a:t>src</a:t>
+            </a:r>
+            <a:r>
+              <a:rPr lang="de-DE" dirty="0"/>
+              <a:t>, /</a:t>
+            </a:r>
+            <a:r>
+              <a:rPr lang="de-DE" dirty="0" err="1"/>
+              <a:t>public</a:t>
+            </a:r>
+            <a:endParaRPr lang="de-DE" dirty="0"/>
+          </a:p>
+          <a:p>
+            <a:endParaRPr lang="de-DE" dirty="0"/>
+          </a:p>
+          <a:p>
+            <a:endParaRPr lang="de-DE" dirty="0"/>
+          </a:p>
+        </p:txBody>
+      </p:sp>
+      <p:pic>
+        <p:nvPicPr>
+          <p:cNvPr id="5" name="Grafik 4">
+            <a:extLst>
+              <a:ext uri="{FF2B5EF4-FFF2-40B4-BE49-F238E27FC236}">
+                <a16:creationId xmlns:a16="http://schemas.microsoft.com/office/drawing/2014/main" id="{D0B5D69D-B016-9080-A8CF-39AEC28050E9}"/>
+              </a:ext>
+            </a:extLst>
+          </p:cNvPr>
+          <p:cNvPicPr>
+            <a:picLocks noChangeAspect="1"/>
+          </p:cNvPicPr>
+          <p:nvPr/>
+        </p:nvPicPr>
+        <p:blipFill>
+          <a:blip r:embed="rId2"/>
+          <a:stretch>
+            <a:fillRect/>
+          </a:stretch>
+        </p:blipFill>
+        <p:spPr>
+          <a:xfrm>
+            <a:off x="4428425" y="3286105"/>
+            <a:ext cx="2667839" cy="381120"/>
+          </a:xfrm>
+          <a:prstGeom prst="rect">
+            <a:avLst/>
+          </a:prstGeom>
+        </p:spPr>
+      </p:pic>
+    </p:spTree>
+    <p:extLst>
+      <p:ext uri="{BB962C8B-B14F-4D97-AF65-F5344CB8AC3E}">
+        <p14:creationId xmlns:p14="http://schemas.microsoft.com/office/powerpoint/2010/main" val="858717586"/>
+      </p:ext>
+    </p:extLst>
+  </p:cSld>
+  <p:clrMapOvr>
+    <a:masterClrMapping/>
+  </p:clrMapOvr>
+</p:sld>
+</file>
+
+<file path=ppt/slides/slide6.xml><?xml version="1.0" encoding="utf-8"?>
+<p:sld xmlns:a="http://schemas.openxmlformats.org/drawingml/2006/main" xmlns:r="http://schemas.openxmlformats.org/officeDocument/2006/relationships" xmlns:p="http://schemas.openxmlformats.org/presentationml/2006/main">
+  <p:cSld>
+    <p:spTree>
+      <p:nvGrpSpPr>
+        <p:cNvPr id="1" name=""/>
+        <p:cNvGrpSpPr/>
+        <p:nvPr/>
+      </p:nvGrpSpPr>
+      <p:grpSpPr>
+        <a:xfrm>
+          <a:off x="0" y="0"/>
+          <a:ext cx="0" cy="0"/>
+          <a:chOff x="0" y="0"/>
+          <a:chExt cx="0" cy="0"/>
+        </a:xfrm>
+      </p:grpSpPr>
+      <p:sp>
+        <p:nvSpPr>
+          <p:cNvPr id="2" name="Titel 1">
+            <a:extLst>
+              <a:ext uri="{FF2B5EF4-FFF2-40B4-BE49-F238E27FC236}">
+                <a16:creationId xmlns:a16="http://schemas.microsoft.com/office/drawing/2014/main" id="{B5F4CD95-81DC-1FFA-0C4C-547B65D93C31}"/>
+              </a:ext>
+            </a:extLst>
+          </p:cNvPr>
+          <p:cNvSpPr>
+            <a:spLocks noGrp="1"/>
+          </p:cNvSpPr>
+          <p:nvPr>
+            <p:ph type="title"/>
+          </p:nvPr>
+        </p:nvSpPr>
+        <p:spPr/>
+        <p:txBody>
+          <a:bodyPr/>
+          <a:lstStyle/>
+          <a:p>
+            <a:r>
+              <a:rPr lang="de-DE" dirty="0"/>
+              <a:t>Veröffentlichung</a:t>
+            </a:r>
+          </a:p>
+        </p:txBody>
+      </p:sp>
+      <p:sp>
+        <p:nvSpPr>
+          <p:cNvPr id="3" name="Inhaltsplatzhalter 2">
+            <a:extLst>
+              <a:ext uri="{FF2B5EF4-FFF2-40B4-BE49-F238E27FC236}">
+                <a16:creationId xmlns:a16="http://schemas.microsoft.com/office/drawing/2014/main" id="{B76ECEB7-19F4-89AD-9697-0380AB206740}"/>
+              </a:ext>
+            </a:extLst>
+          </p:cNvPr>
+          <p:cNvSpPr>
+            <a:spLocks noGrp="1"/>
+          </p:cNvSpPr>
+          <p:nvPr>
+            <p:ph idx="1"/>
+          </p:nvPr>
+        </p:nvSpPr>
+        <p:spPr/>
+        <p:txBody>
+          <a:bodyPr/>
+          <a:lstStyle/>
+          <a:p>
+            <a:r>
+              <a:rPr lang="de-DE" dirty="0"/>
+              <a:t>GitHub Actions</a:t>
+            </a:r>
+          </a:p>
+          <a:p>
+            <a:endParaRPr lang="de-DE" dirty="0"/>
+          </a:p>
+          <a:p>
+            <a:r>
+              <a:rPr lang="de-DE" dirty="0">
+                <a:hlinkClick r:id="rId2"/>
+              </a:rPr>
+              <a:t>https://daveyq.github.io/portfolio</a:t>
+            </a:r>
+            <a:r>
+              <a:rPr lang="de-DE" dirty="0"/>
+              <a:t> </a:t>
+            </a:r>
+          </a:p>
+        </p:txBody>
+      </p:sp>
+    </p:spTree>
+    <p:extLst>
+      <p:ext uri="{BB962C8B-B14F-4D97-AF65-F5344CB8AC3E}">
+        <p14:creationId xmlns:p14="http://schemas.microsoft.com/office/powerpoint/2010/main" val="296907148"/>
+      </p:ext>
+    </p:extLst>
+  </p:cSld>
+  <p:clrMapOvr>
+    <a:masterClrMapping/>
+  </p:clrMapOvr>
+</p:sld>
+</file>
+
+<file path=ppt/slides/slide7.xml><?xml version="1.0" encoding="utf-8"?>
+<p:sld xmlns:a="http://schemas.openxmlformats.org/drawingml/2006/main" xmlns:r="http://schemas.openxmlformats.org/officeDocument/2006/relationships" xmlns:p="http://schemas.openxmlformats.org/presentationml/2006/main">
+  <p:cSld>
+    <p:spTree>
+      <p:nvGrpSpPr>
+        <p:cNvPr id="1" name=""/>
+        <p:cNvGrpSpPr/>
+        <p:nvPr/>
+      </p:nvGrpSpPr>
+      <p:grpSpPr>
+        <a:xfrm>
+          <a:off x="0" y="0"/>
+          <a:ext cx="0" cy="0"/>
+          <a:chOff x="0" y="0"/>
+          <a:chExt cx="0" cy="0"/>
+        </a:xfrm>
+      </p:grpSpPr>
+      <p:sp>
+        <p:nvSpPr>
+          <p:cNvPr id="2" name="Titel 1">
+            <a:extLst>
+              <a:ext uri="{FF2B5EF4-FFF2-40B4-BE49-F238E27FC236}">
+                <a16:creationId xmlns:a16="http://schemas.microsoft.com/office/drawing/2014/main" id="{1230F5AF-486F-A7A2-67AA-8168AF9D2B9E}"/>
+              </a:ext>
+            </a:extLst>
+          </p:cNvPr>
+          <p:cNvSpPr>
+            <a:spLocks noGrp="1"/>
+          </p:cNvSpPr>
+          <p:nvPr>
+            <p:ph type="title"/>
+          </p:nvPr>
+        </p:nvSpPr>
+        <p:spPr/>
+        <p:txBody>
+          <a:bodyPr/>
+          <a:lstStyle/>
+          <a:p>
+            <a:r>
+              <a:rPr lang="de-DE" dirty="0"/>
+              <a:t>Verwendung</a:t>
+            </a:r>
+          </a:p>
+        </p:txBody>
+      </p:sp>
+      <p:sp>
+        <p:nvSpPr>
+          <p:cNvPr id="3" name="Inhaltsplatzhalter 2">
+            <a:extLst>
+              <a:ext uri="{FF2B5EF4-FFF2-40B4-BE49-F238E27FC236}">
+                <a16:creationId xmlns:a16="http://schemas.microsoft.com/office/drawing/2014/main" id="{81FD9CA8-A2C5-A328-B50E-61BBDE32CF1B}"/>
+              </a:ext>
+            </a:extLst>
+          </p:cNvPr>
+          <p:cNvSpPr>
+            <a:spLocks noGrp="1"/>
+          </p:cNvSpPr>
+          <p:nvPr>
+            <p:ph idx="1"/>
+          </p:nvPr>
+        </p:nvSpPr>
+        <p:spPr/>
+        <p:txBody>
+          <a:bodyPr/>
+          <a:lstStyle/>
+          <a:p>
+            <a:r>
+              <a:rPr lang="de-DE" dirty="0"/>
+              <a:t>Leichte Anwendung</a:t>
+            </a:r>
+          </a:p>
+          <a:p>
+            <a:endParaRPr lang="de-DE" dirty="0"/>
+          </a:p>
+          <a:p>
+            <a:r>
+              <a:rPr lang="de-DE" dirty="0"/>
+              <a:t>Schnelle Einarbeitung</a:t>
+            </a:r>
+          </a:p>
+          <a:p>
+            <a:endParaRPr lang="de-DE" dirty="0"/>
+          </a:p>
+          <a:p>
+            <a:endParaRPr lang="de-DE" dirty="0"/>
+          </a:p>
+        </p:txBody>
+      </p:sp>
+    </p:spTree>
+    <p:extLst>
+      <p:ext uri="{BB962C8B-B14F-4D97-AF65-F5344CB8AC3E}">
+        <p14:creationId xmlns:p14="http://schemas.microsoft.com/office/powerpoint/2010/main" val="2650982824"/>
+      </p:ext>
+    </p:extLst>
+  </p:cSld>
+  <p:clrMapOvr>
+    <a:masterClrMapping/>
+  </p:clrMapOvr>
+</p:sld>
+</file>
+
+<file path=ppt/slides/slide8.xml><?xml version="1.0" encoding="utf-8"?>
+<p:sld xmlns:a="http://schemas.openxmlformats.org/drawingml/2006/main" xmlns:r="http://schemas.openxmlformats.org/officeDocument/2006/relationships" xmlns:p="http://schemas.openxmlformats.org/presentationml/2006/main">
+  <p:cSld>
+    <p:spTree>
+      <p:nvGrpSpPr>
+        <p:cNvPr id="1" name=""/>
+        <p:cNvGrpSpPr/>
+        <p:nvPr/>
+      </p:nvGrpSpPr>
+      <p:grpSpPr>
+        <a:xfrm>
+          <a:off x="0" y="0"/>
+          <a:ext cx="0" cy="0"/>
+          <a:chOff x="0" y="0"/>
+          <a:chExt cx="0" cy="0"/>
+        </a:xfrm>
+      </p:grpSpPr>
+      <p:sp>
+        <p:nvSpPr>
+          <p:cNvPr id="2" name="Titel 1">
+            <a:extLst>
+              <a:ext uri="{FF2B5EF4-FFF2-40B4-BE49-F238E27FC236}">
+                <a16:creationId xmlns:a16="http://schemas.microsoft.com/office/drawing/2014/main" id="{74502D70-3C34-8137-E8A0-DC9E9D5680B3}"/>
+              </a:ext>
+            </a:extLst>
+          </p:cNvPr>
+          <p:cNvSpPr>
+            <a:spLocks noGrp="1"/>
+          </p:cNvSpPr>
+          <p:nvPr>
+            <p:ph type="title"/>
+          </p:nvPr>
+        </p:nvSpPr>
+        <p:spPr/>
+        <p:txBody>
+          <a:bodyPr/>
+          <a:lstStyle/>
+          <a:p>
+            <a:r>
+              <a:rPr lang="de-DE" dirty="0"/>
+              <a:t>Zusammenfassung</a:t>
+            </a:r>
+          </a:p>
+        </p:txBody>
+      </p:sp>
+      <p:sp>
+        <p:nvSpPr>
+          <p:cNvPr id="3" name="Inhaltsplatzhalter 2">
+            <a:extLst>
+              <a:ext uri="{FF2B5EF4-FFF2-40B4-BE49-F238E27FC236}">
+                <a16:creationId xmlns:a16="http://schemas.microsoft.com/office/drawing/2014/main" id="{DB097965-1085-5843-F077-56549BB737CA}"/>
+              </a:ext>
+            </a:extLst>
+          </p:cNvPr>
+          <p:cNvSpPr>
+            <a:spLocks noGrp="1"/>
+          </p:cNvSpPr>
+          <p:nvPr>
+            <p:ph idx="1"/>
+          </p:nvPr>
+        </p:nvSpPr>
+        <p:spPr/>
+        <p:txBody>
+          <a:bodyPr/>
+          <a:lstStyle/>
+          <a:p>
+            <a:r>
+              <a:rPr lang="de-DE" dirty="0"/>
+              <a:t>Schnell, wenig JS</a:t>
+            </a:r>
+          </a:p>
+          <a:p>
+            <a:endParaRPr lang="de-DE" dirty="0"/>
+          </a:p>
+          <a:p>
+            <a:r>
+              <a:rPr lang="de-DE" dirty="0"/>
+              <a:t>Schnelles </a:t>
+            </a:r>
+            <a:r>
+              <a:rPr lang="de-DE" dirty="0" err="1"/>
+              <a:t>Deployment</a:t>
+            </a:r>
+            <a:endParaRPr lang="de-DE" dirty="0"/>
+          </a:p>
+          <a:p>
+            <a:endParaRPr lang="de-DE" dirty="0"/>
+          </a:p>
+          <a:p>
+            <a:r>
+              <a:rPr lang="de-DE" dirty="0"/>
+              <a:t>Einfache Einarbeitung</a:t>
+            </a:r>
+          </a:p>
+        </p:txBody>
+      </p:sp>
+    </p:spTree>
+    <p:extLst>
+      <p:ext uri="{BB962C8B-B14F-4D97-AF65-F5344CB8AC3E}">
+        <p14:creationId xmlns:p14="http://schemas.microsoft.com/office/powerpoint/2010/main" val="1980468608"/>
+      </p:ext>
+    </p:extLst>
+  </p:cSld>
+  <p:clrMapOvr>
+    <a:masterClrMapping/>
+  </p:clrMapOvr>
+</p:sld>
+</file>
+
+<file path=ppt/slides/slide9.xml><?xml version="1.0" encoding="utf-8"?>
+<p:sld xmlns:a="http://schemas.openxmlformats.org/drawingml/2006/main" xmlns:r="http://schemas.openxmlformats.org/officeDocument/2006/relationships" xmlns:p="http://schemas.openxmlformats.org/presentationml/2006/main">
+  <p:cSld>
+    <p:spTree>
+      <p:nvGrpSpPr>
+        <p:cNvPr id="1" name=""/>
+        <p:cNvGrpSpPr/>
+        <p:nvPr/>
+      </p:nvGrpSpPr>
+      <p:grpSpPr>
+        <a:xfrm>
+          <a:off x="0" y="0"/>
+          <a:ext cx="0" cy="0"/>
+          <a:chOff x="0" y="0"/>
+          <a:chExt cx="0" cy="0"/>
+        </a:xfrm>
+      </p:grpSpPr>
+      <p:sp>
+        <p:nvSpPr>
+          <p:cNvPr id="2" name="Titel 1">
+            <a:extLst>
+              <a:ext uri="{FF2B5EF4-FFF2-40B4-BE49-F238E27FC236}">
                 <a16:creationId xmlns:a16="http://schemas.microsoft.com/office/drawing/2014/main" id="{0CA7F67C-8F4F-C23D-564B-D83F2048CB3C}"/>
               </a:ext>
             </a:extLst>
@@ -3727,7 +4724,7 @@
         </p:nvSpPr>
         <p:spPr>
           <a:xfrm>
-            <a:off x="0" y="0"/>
+            <a:off x="1572125" y="0"/>
             <a:ext cx="9047747" cy="567891"/>
           </a:xfrm>
         </p:spPr>
@@ -3793,9 +4790,9 @@
 </file>
 
 <file path=ppt/theme/theme1.xml><?xml version="1.0" encoding="utf-8"?>
-<a:theme xmlns:a="http://schemas.openxmlformats.org/drawingml/2006/main" name="Office">
+<a:theme xmlns:a="http://schemas.openxmlformats.org/drawingml/2006/main" name="Ausschnitt">
   <a:themeElements>
-    <a:clrScheme name="Office">
+    <a:clrScheme name="Ausschnitt">
       <a:dk1>
         <a:sysClr val="windowText" lastClr="000000"/>
       </a:dk1>
@@ -3803,100 +4800,48 @@
         <a:sysClr val="window" lastClr="FFFFFF"/>
       </a:lt1>
       <a:dk2>
-        <a:srgbClr val="0E2841"/>
+        <a:srgbClr val="191B0E"/>
       </a:dk2>
       <a:lt2>
-        <a:srgbClr val="E8E8E8"/>
+        <a:srgbClr val="EFEDE3"/>
       </a:lt2>
       <a:accent1>
-        <a:srgbClr val="156082"/>
+        <a:srgbClr val="8C8D86"/>
       </a:accent1>
       <a:accent2>
-        <a:srgbClr val="E97132"/>
+        <a:srgbClr val="E6C069"/>
       </a:accent2>
       <a:accent3>
-        <a:srgbClr val="196B24"/>
+        <a:srgbClr val="897B61"/>
       </a:accent3>
       <a:accent4>
-        <a:srgbClr val="0F9ED5"/>
+        <a:srgbClr val="8DAB8E"/>
       </a:accent4>
       <a:accent5>
-        <a:srgbClr val="A02B93"/>
+        <a:srgbClr val="77A2BB"/>
       </a:accent5>
       <a:accent6>
-        <a:srgbClr val="4EA72E"/>
+        <a:srgbClr val="E28394"/>
       </a:accent6>
       <a:hlink>
-        <a:srgbClr val="467886"/>
+        <a:srgbClr val="77A2BB"/>
       </a:hlink>
       <a:folHlink>
-        <a:srgbClr val="96607D"/>
+        <a:srgbClr val="957A99"/>
       </a:folHlink>
     </a:clrScheme>
-    <a:fontScheme name="Office">
+    <a:fontScheme name="Ausschnitt">
       <a:majorFont>
-        <a:latin typeface="Aptos Display" panose="02110004020202020204"/>
+        <a:latin typeface="Franklin Gothic Book" panose="020B0503020102020204"/>
         <a:ea typeface=""/>
         <a:cs typeface=""/>
-        <a:font script="Jpan" typeface="游ゴシック Light"/>
-        <a:font script="Hang" typeface="맑은 고딕"/>
-        <a:font script="Hans" typeface="等线 Light"/>
-        <a:font script="Hant" typeface="新細明體"/>
-        <a:font script="Arab" typeface="Times New Roman"/>
-        <a:font script="Hebr" typeface="Times New Roman"/>
-        <a:font script="Thai" typeface="Angsana New"/>
-        <a:font script="Ethi" typeface="Nyala"/>
-        <a:font script="Beng" typeface="Vrinda"/>
-        <a:font script="Gujr" typeface="Shruti"/>
-        <a:font script="Khmr" typeface="MoolBoran"/>
-        <a:font script="Knda" typeface="Tunga"/>
-        <a:font script="Guru" typeface="Raavi"/>
-        <a:font script="Cans" typeface="Euphemia"/>
-        <a:font script="Cher" typeface="Plantagenet Cherokee"/>
-        <a:font script="Yiii" typeface="Microsoft Yi Baiti"/>
-        <a:font script="Tibt" typeface="Microsoft Himalaya"/>
-        <a:font script="Thaa" typeface="MV Boli"/>
-        <a:font script="Deva" typeface="Mangal"/>
-        <a:font script="Telu" typeface="Gautami"/>
-        <a:font script="Taml" typeface="Latha"/>
-        <a:font script="Syrc" typeface="Estrangelo Edessa"/>
-        <a:font script="Orya" typeface="Kalinga"/>
-        <a:font script="Mlym" typeface="Kartika"/>
-        <a:font script="Laoo" typeface="DokChampa"/>
-        <a:font script="Sinh" typeface="Iskoola Pota"/>
-        <a:font script="Mong" typeface="Mongolian Baiti"/>
-        <a:font script="Viet" typeface="Times New Roman"/>
-        <a:font script="Uigh" typeface="Microsoft Uighur"/>
-        <a:font script="Geor" typeface="Sylfaen"/>
-        <a:font script="Armn" typeface="Arial"/>
-        <a:font script="Bugi" typeface="Leelawadee UI"/>
-        <a:font script="Bopo" typeface="Microsoft JhengHei"/>
-        <a:font script="Java" typeface="Javanese Text"/>
-        <a:font script="Lisu" typeface="Segoe UI"/>
-        <a:font script="Mymr" typeface="Myanmar Text"/>
-        <a:font script="Nkoo" typeface="Ebrima"/>
-        <a:font script="Olck" typeface="Nirmala UI"/>
-        <a:font script="Osma" typeface="Ebrima"/>
-        <a:font script="Phag" typeface="Phagspa"/>
-        <a:font script="Syrn" typeface="Estrangelo Edessa"/>
-        <a:font script="Syrj" typeface="Estrangelo Edessa"/>
-        <a:font script="Syre" typeface="Estrangelo Edessa"/>
-        <a:font script="Sora" typeface="Nirmala UI"/>
-        <a:font script="Tale" typeface="Microsoft Tai Le"/>
-        <a:font script="Talu" typeface="Microsoft New Tai Lue"/>
-        <a:font script="Tfng" typeface="Ebrima"/>
-      </a:majorFont>
-      <a:minorFont>
-        <a:latin typeface="Aptos" panose="02110004020202020204"/>
-        <a:ea typeface=""/>
-        <a:cs typeface=""/>
-        <a:font script="Jpan" typeface="游ゴシック"/>
-        <a:font script="Hang" typeface="맑은 고딕"/>
-        <a:font script="Hans" typeface="等线"/>
-        <a:font script="Hant" typeface="新細明體"/>
-        <a:font script="Arab" typeface="Arial"/>
-        <a:font script="Hebr" typeface="Arial"/>
-        <a:font script="Thai" typeface="Cordia New"/>
+        <a:font script="Jpan" typeface="メイリオ"/>
+        <a:font script="Hang" typeface="돋움"/>
+        <a:font script="Hans" typeface="华文楷体"/>
+        <a:font script="Hant" typeface="微軟正黑體"/>
+        <a:font script="Arab" typeface="Tahoma"/>
+        <a:font script="Hebr" typeface="Aharoni"/>
+        <a:font script="Thai" typeface="LilyUPC"/>
         <a:font script="Ethi" typeface="Nyala"/>
         <a:font script="Beng" typeface="Vrinda"/>
         <a:font script="Gujr" typeface="Shruti"/>
@@ -3917,29 +4862,47 @@
         <a:font script="Laoo" typeface="DokChampa"/>
         <a:font script="Sinh" typeface="Iskoola Pota"/>
         <a:font script="Mong" typeface="Mongolian Baiti"/>
-        <a:font script="Viet" typeface="Arial"/>
+        <a:font script="Viet" typeface="Tahoma"/>
         <a:font script="Uigh" typeface="Microsoft Uighur"/>
         <a:font script="Geor" typeface="Sylfaen"/>
-        <a:font script="Armn" typeface="Arial"/>
-        <a:font script="Bugi" typeface="Leelawadee UI"/>
-        <a:font script="Bopo" typeface="Microsoft JhengHei"/>
-        <a:font script="Java" typeface="Javanese Text"/>
-        <a:font script="Lisu" typeface="Segoe UI"/>
-        <a:font script="Mymr" typeface="Myanmar Text"/>
-        <a:font script="Nkoo" typeface="Ebrima"/>
-        <a:font script="Olck" typeface="Nirmala UI"/>
-        <a:font script="Osma" typeface="Ebrima"/>
-        <a:font script="Phag" typeface="Phagspa"/>
-        <a:font script="Syrn" typeface="Estrangelo Edessa"/>
-        <a:font script="Syrj" typeface="Estrangelo Edessa"/>
-        <a:font script="Syre" typeface="Estrangelo Edessa"/>
-        <a:font script="Sora" typeface="Nirmala UI"/>
-        <a:font script="Tale" typeface="Microsoft Tai Le"/>
-        <a:font script="Talu" typeface="Microsoft New Tai Lue"/>
-        <a:font script="Tfng" typeface="Ebrima"/>
+      </a:majorFont>
+      <a:minorFont>
+        <a:latin typeface="Franklin Gothic Book" panose="020B0503020102020204"/>
+        <a:ea typeface=""/>
+        <a:cs typeface=""/>
+        <a:font script="Jpan" typeface="メイリオ"/>
+        <a:font script="Hang" typeface="돋움"/>
+        <a:font script="Hans" typeface="华文楷体"/>
+        <a:font script="Hant" typeface="微軟正黑體"/>
+        <a:font script="Arab" typeface="Tahoma"/>
+        <a:font script="Hebr" typeface="Aharoni"/>
+        <a:font script="Thai" typeface="LilyUPC"/>
+        <a:font script="Ethi" typeface="Nyala"/>
+        <a:font script="Beng" typeface="Vrinda"/>
+        <a:font script="Gujr" typeface="Shruti"/>
+        <a:font script="Khmr" typeface="DaunPenh"/>
+        <a:font script="Knda" typeface="Tunga"/>
+        <a:font script="Guru" typeface="Raavi"/>
+        <a:font script="Cans" typeface="Euphemia"/>
+        <a:font script="Cher" typeface="Plantagenet Cherokee"/>
+        <a:font script="Yiii" typeface="Microsoft Yi Baiti"/>
+        <a:font script="Tibt" typeface="Microsoft Himalaya"/>
+        <a:font script="Thaa" typeface="MV Boli"/>
+        <a:font script="Deva" typeface="Mangal"/>
+        <a:font script="Telu" typeface="Gautami"/>
+        <a:font script="Taml" typeface="Latha"/>
+        <a:font script="Syrc" typeface="Estrangelo Edessa"/>
+        <a:font script="Orya" typeface="Kalinga"/>
+        <a:font script="Mlym" typeface="Kartika"/>
+        <a:font script="Laoo" typeface="DokChampa"/>
+        <a:font script="Sinh" typeface="Iskoola Pota"/>
+        <a:font script="Mong" typeface="Mongolian Baiti"/>
+        <a:font script="Viet" typeface="Tahoma"/>
+        <a:font script="Uigh" typeface="Microsoft Uighur"/>
+        <a:font script="Geor" typeface="Sylfaen"/>
       </a:minorFont>
     </a:fontScheme>
-    <a:fmtScheme name="Office">
+    <a:fmtScheme name="Ausschnitt">
       <a:fillStyleLst>
         <a:solidFill>
           <a:schemeClr val="phClr"/>
@@ -3948,23 +4911,23 @@
           <a:gsLst>
             <a:gs pos="0">
               <a:schemeClr val="phClr">
+                <a:tint val="67000"/>
+                <a:satMod val="105000"/>
                 <a:lumMod val="110000"/>
-                <a:satMod val="105000"/>
-                <a:tint val="67000"/>
               </a:schemeClr>
             </a:gs>
             <a:gs pos="50000">
               <a:schemeClr val="phClr">
+                <a:tint val="73000"/>
+                <a:satMod val="103000"/>
                 <a:lumMod val="105000"/>
-                <a:satMod val="103000"/>
-                <a:tint val="73000"/>
               </a:schemeClr>
             </a:gs>
             <a:gs pos="100000">
               <a:schemeClr val="phClr">
+                <a:tint val="81000"/>
+                <a:satMod val="109000"/>
                 <a:lumMod val="105000"/>
-                <a:satMod val="109000"/>
-                <a:tint val="81000"/>
               </a:schemeClr>
             </a:gs>
           </a:gsLst>
@@ -3974,23 +4937,23 @@
           <a:gsLst>
             <a:gs pos="0">
               <a:schemeClr val="phClr">
+                <a:tint val="94000"/>
                 <a:satMod val="103000"/>
                 <a:lumMod val="102000"/>
-                <a:tint val="94000"/>
               </a:schemeClr>
             </a:gs>
             <a:gs pos="50000">
               <a:schemeClr val="phClr">
+                <a:shade val="100000"/>
                 <a:satMod val="110000"/>
                 <a:lumMod val="100000"/>
-                <a:shade val="100000"/>
               </a:schemeClr>
             </a:gs>
             <a:gs pos="100000">
               <a:schemeClr val="phClr">
+                <a:shade val="78000"/>
+                <a:satMod val="120000"/>
                 <a:lumMod val="99000"/>
-                <a:satMod val="120000"/>
-                <a:shade val="78000"/>
               </a:schemeClr>
             </a:gs>
           </a:gsLst>
@@ -3998,26 +4961,23 @@
         </a:gradFill>
       </a:fillStyleLst>
       <a:lnStyleLst>
-        <a:ln w="12700" cap="flat" cmpd="sng" algn="ctr">
+        <a:ln w="6350" cap="flat" cmpd="sng" algn="in">
           <a:solidFill>
             <a:schemeClr val="phClr"/>
           </a:solidFill>
           <a:prstDash val="solid"/>
-          <a:miter lim="800000"/>
         </a:ln>
-        <a:ln w="19050" cap="flat" cmpd="sng" algn="ctr">
+        <a:ln w="34925" cap="flat" cmpd="sng" algn="in">
           <a:solidFill>
             <a:schemeClr val="phClr"/>
           </a:solidFill>
           <a:prstDash val="solid"/>
-          <a:miter lim="800000"/>
         </a:ln>
-        <a:ln w="25400" cap="flat" cmpd="sng" algn="ctr">
+        <a:ln w="19050" cap="flat" cmpd="sng" algn="in">
           <a:solidFill>
             <a:schemeClr val="phClr"/>
           </a:solidFill>
           <a:prstDash val="solid"/>
-          <a:miter lim="800000"/>
         </a:ln>
       </a:lnStyleLst>
       <a:effectStyleLst>
@@ -4031,7 +4991,7 @@
           <a:effectLst>
             <a:outerShdw blurRad="57150" dist="19050" dir="5400000" algn="ctr" rotWithShape="0">
               <a:srgbClr val="000000">
-                <a:alpha val="63000"/>
+                <a:alpha val="35000"/>
               </a:srgbClr>
             </a:outerShdw>
           </a:effectLst>
@@ -4052,16 +5012,16 @@
             <a:gs pos="0">
               <a:schemeClr val="phClr">
                 <a:tint val="93000"/>
+                <a:shade val="98000"/>
                 <a:satMod val="150000"/>
-                <a:shade val="98000"/>
                 <a:lumMod val="102000"/>
               </a:schemeClr>
             </a:gs>
             <a:gs pos="50000">
               <a:schemeClr val="phClr">
                 <a:tint val="98000"/>
+                <a:shade val="90000"/>
                 <a:satMod val="130000"/>
-                <a:shade val="90000"/>
                 <a:lumMod val="103000"/>
               </a:schemeClr>
             </a:gs>
@@ -4077,31 +5037,11 @@
       </a:bgFillStyleLst>
     </a:fmtScheme>
   </a:themeElements>
-  <a:objectDefaults>
-    <a:lnDef>
-      <a:spPr/>
-      <a:bodyPr/>
-      <a:lstStyle/>
-      <a:style>
-        <a:lnRef idx="2">
-          <a:schemeClr val="accent1"/>
-        </a:lnRef>
-        <a:fillRef idx="0">
-          <a:schemeClr val="accent1"/>
-        </a:fillRef>
-        <a:effectRef idx="1">
-          <a:schemeClr val="accent1"/>
-        </a:effectRef>
-        <a:fontRef idx="minor">
-          <a:schemeClr val="tx1"/>
-        </a:fontRef>
-      </a:style>
-    </a:lnDef>
-  </a:objectDefaults>
+  <a:objectDefaults/>
   <a:extraClrSchemeLst/>
   <a:extLst>
     <a:ext uri="{05A4C25C-085E-4340-85A3-A5531E510DB2}">
-      <thm15:themeFamily xmlns:thm15="http://schemas.microsoft.com/office/thememl/2012/main" name="Office Theme" id="{2E142A2C-CD16-42D6-873A-C26D2A0506FA}" vid="{1BDDFF52-6CD6-40A5-AB3C-68EB2F1E4D0A}"/>
+      <thm15:themeFamily xmlns:thm15="http://schemas.microsoft.com/office/thememl/2012/main" name="Crop" id="{EC9488ED-E761-4D60-9AC4-764D1FE2C171}" vid="{CE19780C-D67D-4C13-9DE9-A52BC3BA51B4}"/>
     </a:ext>
   </a:extLst>
 </a:theme>
